--- a/dcf_operation.pptx
+++ b/dcf_operation.pptx
@@ -243,7 +243,7 @@
           <a:p>
             <a:fld id="{F8782BB8-19F3-3D45-9ED3-7C72268176C5}" type="datetimeFigureOut">
               <a:rPr lang="en-US" smtClean="0"/>
-              <a:t>7/7/17</a:t>
+              <a:t>8/15/17</a:t>
             </a:fld>
             <a:endParaRPr lang="en-US"/>
           </a:p>
@@ -413,7 +413,7 @@
           <a:p>
             <a:fld id="{F8782BB8-19F3-3D45-9ED3-7C72268176C5}" type="datetimeFigureOut">
               <a:rPr lang="en-US" smtClean="0"/>
-              <a:t>7/7/17</a:t>
+              <a:t>8/15/17</a:t>
             </a:fld>
             <a:endParaRPr lang="en-US"/>
           </a:p>
@@ -593,7 +593,7 @@
           <a:p>
             <a:fld id="{F8782BB8-19F3-3D45-9ED3-7C72268176C5}" type="datetimeFigureOut">
               <a:rPr lang="en-US" smtClean="0"/>
-              <a:t>7/7/17</a:t>
+              <a:t>8/15/17</a:t>
             </a:fld>
             <a:endParaRPr lang="en-US"/>
           </a:p>
@@ -763,7 +763,7 @@
           <a:p>
             <a:fld id="{F8782BB8-19F3-3D45-9ED3-7C72268176C5}" type="datetimeFigureOut">
               <a:rPr lang="en-US" smtClean="0"/>
-              <a:t>7/7/17</a:t>
+              <a:t>8/15/17</a:t>
             </a:fld>
             <a:endParaRPr lang="en-US"/>
           </a:p>
@@ -1009,7 +1009,7 @@
           <a:p>
             <a:fld id="{F8782BB8-19F3-3D45-9ED3-7C72268176C5}" type="datetimeFigureOut">
               <a:rPr lang="en-US" smtClean="0"/>
-              <a:t>7/7/17</a:t>
+              <a:t>8/15/17</a:t>
             </a:fld>
             <a:endParaRPr lang="en-US"/>
           </a:p>
@@ -1241,7 +1241,7 @@
           <a:p>
             <a:fld id="{F8782BB8-19F3-3D45-9ED3-7C72268176C5}" type="datetimeFigureOut">
               <a:rPr lang="en-US" smtClean="0"/>
-              <a:t>7/7/17</a:t>
+              <a:t>8/15/17</a:t>
             </a:fld>
             <a:endParaRPr lang="en-US"/>
           </a:p>
@@ -1608,7 +1608,7 @@
           <a:p>
             <a:fld id="{F8782BB8-19F3-3D45-9ED3-7C72268176C5}" type="datetimeFigureOut">
               <a:rPr lang="en-US" smtClean="0"/>
-              <a:t>7/7/17</a:t>
+              <a:t>8/15/17</a:t>
             </a:fld>
             <a:endParaRPr lang="en-US"/>
           </a:p>
@@ -1726,7 +1726,7 @@
           <a:p>
             <a:fld id="{F8782BB8-19F3-3D45-9ED3-7C72268176C5}" type="datetimeFigureOut">
               <a:rPr lang="en-US" smtClean="0"/>
-              <a:t>7/7/17</a:t>
+              <a:t>8/15/17</a:t>
             </a:fld>
             <a:endParaRPr lang="en-US"/>
           </a:p>
@@ -1821,7 +1821,7 @@
           <a:p>
             <a:fld id="{F8782BB8-19F3-3D45-9ED3-7C72268176C5}" type="datetimeFigureOut">
               <a:rPr lang="en-US" smtClean="0"/>
-              <a:t>7/7/17</a:t>
+              <a:t>8/15/17</a:t>
             </a:fld>
             <a:endParaRPr lang="en-US"/>
           </a:p>
@@ -2098,7 +2098,7 @@
           <a:p>
             <a:fld id="{F8782BB8-19F3-3D45-9ED3-7C72268176C5}" type="datetimeFigureOut">
               <a:rPr lang="en-US" smtClean="0"/>
-              <a:t>7/7/17</a:t>
+              <a:t>8/15/17</a:t>
             </a:fld>
             <a:endParaRPr lang="en-US"/>
           </a:p>
@@ -2351,7 +2351,7 @@
           <a:p>
             <a:fld id="{F8782BB8-19F3-3D45-9ED3-7C72268176C5}" type="datetimeFigureOut">
               <a:rPr lang="en-US" smtClean="0"/>
-              <a:t>7/7/17</a:t>
+              <a:t>8/15/17</a:t>
             </a:fld>
             <a:endParaRPr lang="en-US"/>
           </a:p>
@@ -2564,7 +2564,7 @@
           <a:p>
             <a:fld id="{F8782BB8-19F3-3D45-9ED3-7C72268176C5}" type="datetimeFigureOut">
               <a:rPr lang="en-US" smtClean="0"/>
-              <a:t>7/7/17</a:t>
+              <a:t>8/15/17</a:t>
             </a:fld>
             <a:endParaRPr lang="en-US"/>
           </a:p>
@@ -3013,7 +3013,7 @@
         </p:nvCxnSpPr>
         <p:spPr>
           <a:xfrm>
-            <a:off x="2313542" y="2748710"/>
+            <a:off x="2313542" y="2202907"/>
             <a:ext cx="6552552" cy="0"/>
           </a:xfrm>
           <a:prstGeom prst="line">
@@ -3049,7 +3049,7 @@
         </p:nvCxnSpPr>
         <p:spPr>
           <a:xfrm>
-            <a:off x="2313542" y="4300254"/>
+            <a:off x="2313542" y="3059803"/>
             <a:ext cx="6552552" cy="0"/>
           </a:xfrm>
           <a:prstGeom prst="line">
@@ -4743,7 +4743,7 @@
         </p:nvSpPr>
         <p:spPr>
           <a:xfrm>
-            <a:off x="1555216" y="2553812"/>
+            <a:off x="1555216" y="2008009"/>
             <a:ext cx="893282" cy="369332"/>
           </a:xfrm>
           <a:prstGeom prst="rect">
@@ -4781,7 +4781,7 @@
         </p:nvSpPr>
         <p:spPr>
           <a:xfrm>
-            <a:off x="1555215" y="4115587"/>
+            <a:off x="1555215" y="2875136"/>
             <a:ext cx="893282" cy="369332"/>
           </a:xfrm>
           <a:prstGeom prst="rect">
@@ -4819,7 +4819,7 @@
         </p:nvSpPr>
         <p:spPr>
           <a:xfrm>
-            <a:off x="2473286" y="3905185"/>
+            <a:off x="2473286" y="2664734"/>
             <a:ext cx="154235" cy="395296"/>
           </a:xfrm>
           <a:prstGeom prst="rect">
@@ -4887,7 +4887,7 @@
         </p:nvSpPr>
         <p:spPr>
           <a:xfrm>
-            <a:off x="2475123" y="2353188"/>
+            <a:off x="2475123" y="1807385"/>
             <a:ext cx="156072" cy="395296"/>
           </a:xfrm>
           <a:prstGeom prst="rect">
@@ -5023,7 +5023,7 @@
         </p:nvSpPr>
         <p:spPr>
           <a:xfrm>
-            <a:off x="2640374" y="3904958"/>
+            <a:off x="2640374" y="2664507"/>
             <a:ext cx="611437" cy="395296"/>
           </a:xfrm>
           <a:prstGeom prst="rect">
@@ -5092,7 +5092,7 @@
         </p:nvSpPr>
         <p:spPr>
           <a:xfrm>
-            <a:off x="2637620" y="2353188"/>
+            <a:off x="2637620" y="1807385"/>
             <a:ext cx="611437" cy="395296"/>
           </a:xfrm>
           <a:prstGeom prst="rect">
@@ -5309,7 +5309,7 @@
         </p:nvSpPr>
         <p:spPr>
           <a:xfrm>
-            <a:off x="3253645" y="2353188"/>
+            <a:off x="3253645" y="1807385"/>
             <a:ext cx="757412" cy="395296"/>
           </a:xfrm>
           <a:prstGeom prst="rect">
@@ -5380,7 +5380,7 @@
         </p:nvSpPr>
         <p:spPr>
           <a:xfrm>
-            <a:off x="3557740" y="3904958"/>
+            <a:off x="3557740" y="2664507"/>
             <a:ext cx="449854" cy="395296"/>
           </a:xfrm>
           <a:prstGeom prst="rect">
@@ -5454,7 +5454,7 @@
         </p:nvSpPr>
         <p:spPr>
           <a:xfrm>
-            <a:off x="4014727" y="2353188"/>
+            <a:off x="4014727" y="1807385"/>
             <a:ext cx="2616402" cy="395296"/>
           </a:xfrm>
           <a:prstGeom prst="rect">
@@ -5525,7 +5525,7 @@
         </p:nvSpPr>
         <p:spPr>
           <a:xfrm>
-            <a:off x="4331465" y="3904958"/>
+            <a:off x="4331465" y="2664507"/>
             <a:ext cx="1527672" cy="395296"/>
           </a:xfrm>
           <a:prstGeom prst="rect">
@@ -5737,7 +5737,7 @@
         </p:nvSpPr>
         <p:spPr>
           <a:xfrm>
-            <a:off x="6162911" y="3917939"/>
+            <a:off x="6162911" y="2677488"/>
             <a:ext cx="468218" cy="395296"/>
           </a:xfrm>
           <a:prstGeom prst="rect">
@@ -5811,7 +5811,7 @@
         </p:nvSpPr>
         <p:spPr>
           <a:xfrm>
-            <a:off x="8775153" y="4293340"/>
+            <a:off x="8775153" y="3045807"/>
             <a:ext cx="893282" cy="369332"/>
           </a:xfrm>
           <a:prstGeom prst="rect">
@@ -5887,7 +5887,7 @@
         </p:nvSpPr>
         <p:spPr>
           <a:xfrm>
-            <a:off x="8771243" y="2731565"/>
+            <a:off x="8771243" y="2178677"/>
             <a:ext cx="893282" cy="369332"/>
           </a:xfrm>
           <a:prstGeom prst="rect">
@@ -6225,7 +6225,7 @@
         </p:nvSpPr>
         <p:spPr>
           <a:xfrm>
-            <a:off x="7238218" y="2352444"/>
+            <a:off x="7238218" y="1806641"/>
             <a:ext cx="156072" cy="395296"/>
           </a:xfrm>
           <a:prstGeom prst="rect">
@@ -6361,7 +6361,7 @@
         </p:nvSpPr>
         <p:spPr>
           <a:xfrm>
-            <a:off x="7234674" y="3904361"/>
+            <a:off x="7234674" y="2663910"/>
             <a:ext cx="144791" cy="401786"/>
           </a:xfrm>
           <a:prstGeom prst="rect">
@@ -6429,7 +6429,7 @@
         </p:nvSpPr>
         <p:spPr>
           <a:xfrm>
-            <a:off x="7390481" y="2353042"/>
+            <a:off x="7390481" y="1807239"/>
             <a:ext cx="611437" cy="395296"/>
           </a:xfrm>
           <a:prstGeom prst="rect">
@@ -6572,7 +6572,7 @@
         </p:nvSpPr>
         <p:spPr>
           <a:xfrm>
-            <a:off x="7386288" y="3904361"/>
+            <a:off x="7386288" y="2663910"/>
             <a:ext cx="611437" cy="395296"/>
           </a:xfrm>
           <a:prstGeom prst="rect">
@@ -6790,7 +6790,7 @@
         </p:nvSpPr>
         <p:spPr>
           <a:xfrm>
-            <a:off x="8309674" y="2354610"/>
+            <a:off x="8309674" y="1808807"/>
             <a:ext cx="449854" cy="395296"/>
           </a:xfrm>
           <a:prstGeom prst="rect">
@@ -6864,7 +6864,7 @@
         </p:nvSpPr>
         <p:spPr>
           <a:xfrm>
-            <a:off x="7999418" y="3904008"/>
+            <a:off x="7999418" y="2663557"/>
             <a:ext cx="757412" cy="395296"/>
           </a:xfrm>
           <a:prstGeom prst="rect">

--- a/dcf_operation.pptx
+++ b/dcf_operation.pptx
@@ -4,6 +4,9 @@
   <p:sldMasterIdLst>
     <p:sldMasterId id="2147483648" r:id="rId1"/>
   </p:sldMasterIdLst>
+  <p:notesMasterIdLst>
+    <p:notesMasterId r:id="rId3"/>
+  </p:notesMasterIdLst>
   <p:sldIdLst>
     <p:sldId id="256" r:id="rId2"/>
   </p:sldIdLst>
@@ -112,6 +115,437 @@
 </p:presentation>
 </file>
 
+<file path=ppt/notesMasters/notesMaster1.xml><?xml version="1.0" encoding="utf-8"?>
+<p:notesMaster xmlns:a="http://schemas.openxmlformats.org/drawingml/2006/main" xmlns:r="http://schemas.openxmlformats.org/officeDocument/2006/relationships" xmlns:p="http://schemas.openxmlformats.org/presentationml/2006/main">
+  <p:cSld>
+    <p:bg>
+      <p:bgRef idx="1001">
+        <a:schemeClr val="bg1"/>
+      </p:bgRef>
+    </p:bg>
+    <p:spTree>
+      <p:nvGrpSpPr>
+        <p:cNvPr id="1" name=""/>
+        <p:cNvGrpSpPr/>
+        <p:nvPr/>
+      </p:nvGrpSpPr>
+      <p:grpSpPr>
+        <a:xfrm>
+          <a:off x="0" y="0"/>
+          <a:ext cx="0" cy="0"/>
+          <a:chOff x="0" y="0"/>
+          <a:chExt cx="0" cy="0"/>
+        </a:xfrm>
+      </p:grpSpPr>
+      <p:sp>
+        <p:nvSpPr>
+          <p:cNvPr id="2" name="Header Placeholder 1"/>
+          <p:cNvSpPr>
+            <a:spLocks noGrp="1"/>
+          </p:cNvSpPr>
+          <p:nvPr>
+            <p:ph type="hdr" sz="quarter"/>
+          </p:nvPr>
+        </p:nvSpPr>
+        <p:spPr>
+          <a:xfrm>
+            <a:off x="0" y="0"/>
+            <a:ext cx="2971800" cy="458788"/>
+          </a:xfrm>
+          <a:prstGeom prst="rect">
+            <a:avLst/>
+          </a:prstGeom>
+        </p:spPr>
+        <p:txBody>
+          <a:bodyPr vert="horz" lIns="91440" tIns="45720" rIns="91440" bIns="45720" rtlCol="0"/>
+          <a:lstStyle>
+            <a:lvl1pPr algn="l">
+              <a:defRPr sz="1200"/>
+            </a:lvl1pPr>
+          </a:lstStyle>
+          <a:p>
+            <a:endParaRPr lang="en-US"/>
+          </a:p>
+        </p:txBody>
+      </p:sp>
+      <p:sp>
+        <p:nvSpPr>
+          <p:cNvPr id="3" name="Date Placeholder 2"/>
+          <p:cNvSpPr>
+            <a:spLocks noGrp="1"/>
+          </p:cNvSpPr>
+          <p:nvPr>
+            <p:ph type="dt" idx="1"/>
+          </p:nvPr>
+        </p:nvSpPr>
+        <p:spPr>
+          <a:xfrm>
+            <a:off x="3884613" y="0"/>
+            <a:ext cx="2971800" cy="458788"/>
+          </a:xfrm>
+          <a:prstGeom prst="rect">
+            <a:avLst/>
+          </a:prstGeom>
+        </p:spPr>
+        <p:txBody>
+          <a:bodyPr vert="horz" lIns="91440" tIns="45720" rIns="91440" bIns="45720" rtlCol="0"/>
+          <a:lstStyle>
+            <a:lvl1pPr algn="r">
+              <a:defRPr sz="1200"/>
+            </a:lvl1pPr>
+          </a:lstStyle>
+          <a:p>
+            <a:fld id="{2FFE7D56-2A7E-6547-89BD-800656E84409}" type="datetimeFigureOut">
+              <a:t>8/28/17</a:t>
+            </a:fld>
+            <a:endParaRPr lang="en-US"/>
+          </a:p>
+        </p:txBody>
+      </p:sp>
+      <p:sp>
+        <p:nvSpPr>
+          <p:cNvPr id="4" name="Slide Image Placeholder 3"/>
+          <p:cNvSpPr>
+            <a:spLocks noGrp="1" noRot="1" noChangeAspect="1"/>
+          </p:cNvSpPr>
+          <p:nvPr>
+            <p:ph type="sldImg" idx="2"/>
+          </p:nvPr>
+        </p:nvSpPr>
+        <p:spPr>
+          <a:xfrm>
+            <a:off x="685800" y="1143000"/>
+            <a:ext cx="5486400" cy="3086100"/>
+          </a:xfrm>
+          <a:prstGeom prst="rect">
+            <a:avLst/>
+          </a:prstGeom>
+          <a:noFill/>
+          <a:ln w="12700">
+            <a:solidFill>
+              <a:prstClr val="black"/>
+            </a:solidFill>
+          </a:ln>
+        </p:spPr>
+        <p:txBody>
+          <a:bodyPr vert="horz" lIns="91440" tIns="45720" rIns="91440" bIns="45720" rtlCol="0" anchor="ctr"/>
+          <a:lstStyle/>
+          <a:p>
+            <a:endParaRPr lang="en-US"/>
+          </a:p>
+        </p:txBody>
+      </p:sp>
+      <p:sp>
+        <p:nvSpPr>
+          <p:cNvPr id="5" name="Notes Placeholder 4"/>
+          <p:cNvSpPr>
+            <a:spLocks noGrp="1"/>
+          </p:cNvSpPr>
+          <p:nvPr>
+            <p:ph type="body" sz="quarter" idx="3"/>
+          </p:nvPr>
+        </p:nvSpPr>
+        <p:spPr>
+          <a:xfrm>
+            <a:off x="685800" y="4400550"/>
+            <a:ext cx="5486400" cy="3600450"/>
+          </a:xfrm>
+          <a:prstGeom prst="rect">
+            <a:avLst/>
+          </a:prstGeom>
+        </p:spPr>
+        <p:txBody>
+          <a:bodyPr vert="horz" lIns="91440" tIns="45720" rIns="91440" bIns="45720" rtlCol="0"/>
+          <a:lstStyle/>
+          <a:p>
+            <a:pPr lvl="0"/>
+            <a:r>
+              <a:rPr lang="es-ES"/>
+              <a:t>Click to edit Master text styles</a:t>
+            </a:r>
+          </a:p>
+          <a:p>
+            <a:pPr lvl="1"/>
+            <a:r>
+              <a:rPr lang="es-ES"/>
+              <a:t>Second level</a:t>
+            </a:r>
+          </a:p>
+          <a:p>
+            <a:pPr lvl="2"/>
+            <a:r>
+              <a:rPr lang="es-ES"/>
+              <a:t>Third level</a:t>
+            </a:r>
+          </a:p>
+          <a:p>
+            <a:pPr lvl="3"/>
+            <a:r>
+              <a:rPr lang="es-ES"/>
+              <a:t>Fourth level</a:t>
+            </a:r>
+          </a:p>
+          <a:p>
+            <a:pPr lvl="4"/>
+            <a:r>
+              <a:rPr lang="es-ES"/>
+              <a:t>Fifth level</a:t>
+            </a:r>
+            <a:endParaRPr lang="en-US"/>
+          </a:p>
+        </p:txBody>
+      </p:sp>
+      <p:sp>
+        <p:nvSpPr>
+          <p:cNvPr id="6" name="Footer Placeholder 5"/>
+          <p:cNvSpPr>
+            <a:spLocks noGrp="1"/>
+          </p:cNvSpPr>
+          <p:nvPr>
+            <p:ph type="ftr" sz="quarter" idx="4"/>
+          </p:nvPr>
+        </p:nvSpPr>
+        <p:spPr>
+          <a:xfrm>
+            <a:off x="0" y="8685213"/>
+            <a:ext cx="2971800" cy="458787"/>
+          </a:xfrm>
+          <a:prstGeom prst="rect">
+            <a:avLst/>
+          </a:prstGeom>
+        </p:spPr>
+        <p:txBody>
+          <a:bodyPr vert="horz" lIns="91440" tIns="45720" rIns="91440" bIns="45720" rtlCol="0" anchor="b"/>
+          <a:lstStyle>
+            <a:lvl1pPr algn="l">
+              <a:defRPr sz="1200"/>
+            </a:lvl1pPr>
+          </a:lstStyle>
+          <a:p>
+            <a:endParaRPr lang="en-US"/>
+          </a:p>
+        </p:txBody>
+      </p:sp>
+      <p:sp>
+        <p:nvSpPr>
+          <p:cNvPr id="7" name="Slide Number Placeholder 6"/>
+          <p:cNvSpPr>
+            <a:spLocks noGrp="1"/>
+          </p:cNvSpPr>
+          <p:nvPr>
+            <p:ph type="sldNum" sz="quarter" idx="5"/>
+          </p:nvPr>
+        </p:nvSpPr>
+        <p:spPr>
+          <a:xfrm>
+            <a:off x="3884613" y="8685213"/>
+            <a:ext cx="2971800" cy="458787"/>
+          </a:xfrm>
+          <a:prstGeom prst="rect">
+            <a:avLst/>
+          </a:prstGeom>
+        </p:spPr>
+        <p:txBody>
+          <a:bodyPr vert="horz" lIns="91440" tIns="45720" rIns="91440" bIns="45720" rtlCol="0" anchor="b"/>
+          <a:lstStyle>
+            <a:lvl1pPr algn="r">
+              <a:defRPr sz="1200"/>
+            </a:lvl1pPr>
+          </a:lstStyle>
+          <a:p>
+            <a:fld id="{7B1E7949-712D-3B47-8B05-BBA0777EB71B}" type="slidenum">
+              <a:t>‹#›</a:t>
+            </a:fld>
+            <a:endParaRPr lang="en-US"/>
+          </a:p>
+        </p:txBody>
+      </p:sp>
+    </p:spTree>
+    <p:extLst>
+      <p:ext uri="{BB962C8B-B14F-4D97-AF65-F5344CB8AC3E}">
+        <p14:creationId xmlns:p14="http://schemas.microsoft.com/office/powerpoint/2010/main" val="126334623"/>
+      </p:ext>
+    </p:extLst>
+  </p:cSld>
+  <p:clrMap bg1="lt1" tx1="dk1" bg2="lt2" tx2="dk2" accent1="accent1" accent2="accent2" accent3="accent3" accent4="accent4" accent5="accent5" accent6="accent6" hlink="hlink" folHlink="folHlink"/>
+  <p:notesStyle>
+    <a:lvl1pPr marL="0" algn="l" defTabSz="914400" rtl="0" eaLnBrk="1" latinLnBrk="0" hangingPunct="1">
+      <a:defRPr sz="1200" kern="1200">
+        <a:solidFill>
+          <a:schemeClr val="tx1"/>
+        </a:solidFill>
+        <a:latin typeface="+mn-lt"/>
+        <a:ea typeface="+mn-ea"/>
+        <a:cs typeface="+mn-cs"/>
+      </a:defRPr>
+    </a:lvl1pPr>
+    <a:lvl2pPr marL="457200" algn="l" defTabSz="914400" rtl="0" eaLnBrk="1" latinLnBrk="0" hangingPunct="1">
+      <a:defRPr sz="1200" kern="1200">
+        <a:solidFill>
+          <a:schemeClr val="tx1"/>
+        </a:solidFill>
+        <a:latin typeface="+mn-lt"/>
+        <a:ea typeface="+mn-ea"/>
+        <a:cs typeface="+mn-cs"/>
+      </a:defRPr>
+    </a:lvl2pPr>
+    <a:lvl3pPr marL="914400" algn="l" defTabSz="914400" rtl="0" eaLnBrk="1" latinLnBrk="0" hangingPunct="1">
+      <a:defRPr sz="1200" kern="1200">
+        <a:solidFill>
+          <a:schemeClr val="tx1"/>
+        </a:solidFill>
+        <a:latin typeface="+mn-lt"/>
+        <a:ea typeface="+mn-ea"/>
+        <a:cs typeface="+mn-cs"/>
+      </a:defRPr>
+    </a:lvl3pPr>
+    <a:lvl4pPr marL="1371600" algn="l" defTabSz="914400" rtl="0" eaLnBrk="1" latinLnBrk="0" hangingPunct="1">
+      <a:defRPr sz="1200" kern="1200">
+        <a:solidFill>
+          <a:schemeClr val="tx1"/>
+        </a:solidFill>
+        <a:latin typeface="+mn-lt"/>
+        <a:ea typeface="+mn-ea"/>
+        <a:cs typeface="+mn-cs"/>
+      </a:defRPr>
+    </a:lvl4pPr>
+    <a:lvl5pPr marL="1828800" algn="l" defTabSz="914400" rtl="0" eaLnBrk="1" latinLnBrk="0" hangingPunct="1">
+      <a:defRPr sz="1200" kern="1200">
+        <a:solidFill>
+          <a:schemeClr val="tx1"/>
+        </a:solidFill>
+        <a:latin typeface="+mn-lt"/>
+        <a:ea typeface="+mn-ea"/>
+        <a:cs typeface="+mn-cs"/>
+      </a:defRPr>
+    </a:lvl5pPr>
+    <a:lvl6pPr marL="2286000" algn="l" defTabSz="914400" rtl="0" eaLnBrk="1" latinLnBrk="0" hangingPunct="1">
+      <a:defRPr sz="1200" kern="1200">
+        <a:solidFill>
+          <a:schemeClr val="tx1"/>
+        </a:solidFill>
+        <a:latin typeface="+mn-lt"/>
+        <a:ea typeface="+mn-ea"/>
+        <a:cs typeface="+mn-cs"/>
+      </a:defRPr>
+    </a:lvl6pPr>
+    <a:lvl7pPr marL="2743200" algn="l" defTabSz="914400" rtl="0" eaLnBrk="1" latinLnBrk="0" hangingPunct="1">
+      <a:defRPr sz="1200" kern="1200">
+        <a:solidFill>
+          <a:schemeClr val="tx1"/>
+        </a:solidFill>
+        <a:latin typeface="+mn-lt"/>
+        <a:ea typeface="+mn-ea"/>
+        <a:cs typeface="+mn-cs"/>
+      </a:defRPr>
+    </a:lvl7pPr>
+    <a:lvl8pPr marL="3200400" algn="l" defTabSz="914400" rtl="0" eaLnBrk="1" latinLnBrk="0" hangingPunct="1">
+      <a:defRPr sz="1200" kern="1200">
+        <a:solidFill>
+          <a:schemeClr val="tx1"/>
+        </a:solidFill>
+        <a:latin typeface="+mn-lt"/>
+        <a:ea typeface="+mn-ea"/>
+        <a:cs typeface="+mn-cs"/>
+      </a:defRPr>
+    </a:lvl8pPr>
+    <a:lvl9pPr marL="3657600" algn="l" defTabSz="914400" rtl="0" eaLnBrk="1" latinLnBrk="0" hangingPunct="1">
+      <a:defRPr sz="1200" kern="1200">
+        <a:solidFill>
+          <a:schemeClr val="tx1"/>
+        </a:solidFill>
+        <a:latin typeface="+mn-lt"/>
+        <a:ea typeface="+mn-ea"/>
+        <a:cs typeface="+mn-cs"/>
+      </a:defRPr>
+    </a:lvl9pPr>
+  </p:notesStyle>
+</p:notesMaster>
+</file>
+
+<file path=ppt/notesSlides/notesSlide1.xml><?xml version="1.0" encoding="utf-8"?>
+<p:notes xmlns:a="http://schemas.openxmlformats.org/drawingml/2006/main" xmlns:r="http://schemas.openxmlformats.org/officeDocument/2006/relationships" xmlns:p="http://schemas.openxmlformats.org/presentationml/2006/main">
+  <p:cSld>
+    <p:spTree>
+      <p:nvGrpSpPr>
+        <p:cNvPr id="1" name=""/>
+        <p:cNvGrpSpPr/>
+        <p:nvPr/>
+      </p:nvGrpSpPr>
+      <p:grpSpPr>
+        <a:xfrm>
+          <a:off x="0" y="0"/>
+          <a:ext cx="0" cy="0"/>
+          <a:chOff x="0" y="0"/>
+          <a:chExt cx="0" cy="0"/>
+        </a:xfrm>
+      </p:grpSpPr>
+      <p:sp>
+        <p:nvSpPr>
+          <p:cNvPr id="2" name="Slide Image Placeholder 1"/>
+          <p:cNvSpPr>
+            <a:spLocks noGrp="1" noRot="1" noChangeAspect="1"/>
+          </p:cNvSpPr>
+          <p:nvPr>
+            <p:ph type="sldImg"/>
+          </p:nvPr>
+        </p:nvSpPr>
+        <p:spPr/>
+      </p:sp>
+      <p:sp>
+        <p:nvSpPr>
+          <p:cNvPr id="3" name="Notes Placeholder 2"/>
+          <p:cNvSpPr>
+            <a:spLocks noGrp="1"/>
+          </p:cNvSpPr>
+          <p:nvPr>
+            <p:ph type="body" idx="1"/>
+          </p:nvPr>
+        </p:nvSpPr>
+        <p:spPr/>
+        <p:txBody>
+          <a:bodyPr/>
+          <a:lstStyle/>
+          <a:p>
+            <a:endParaRPr lang="en-US"/>
+          </a:p>
+        </p:txBody>
+      </p:sp>
+      <p:sp>
+        <p:nvSpPr>
+          <p:cNvPr id="4" name="Slide Number Placeholder 3"/>
+          <p:cNvSpPr>
+            <a:spLocks noGrp="1"/>
+          </p:cNvSpPr>
+          <p:nvPr>
+            <p:ph type="sldNum" sz="quarter" idx="10"/>
+          </p:nvPr>
+        </p:nvSpPr>
+        <p:spPr/>
+        <p:txBody>
+          <a:bodyPr/>
+          <a:lstStyle/>
+          <a:p>
+            <a:fld id="{7B1E7949-712D-3B47-8B05-BBA0777EB71B}" type="slidenum">
+              <a:t>1</a:t>
+            </a:fld>
+            <a:endParaRPr lang="en-US"/>
+          </a:p>
+        </p:txBody>
+      </p:sp>
+    </p:spTree>
+    <p:extLst>
+      <p:ext uri="{BB962C8B-B14F-4D97-AF65-F5344CB8AC3E}">
+        <p14:creationId xmlns:p14="http://schemas.microsoft.com/office/powerpoint/2010/main" val="1592165525"/>
+      </p:ext>
+    </p:extLst>
+  </p:cSld>
+  <p:clrMapOvr>
+    <a:masterClrMapping/>
+  </p:clrMapOvr>
+</p:notes>
+</file>
+
 <file path=ppt/slideLayouts/slideLayout1.xml><?xml version="1.0" encoding="utf-8"?>
 <p:sldLayout xmlns:a="http://schemas.openxmlformats.org/drawingml/2006/main" xmlns:r="http://schemas.openxmlformats.org/officeDocument/2006/relationships" xmlns:p="http://schemas.openxmlformats.org/presentationml/2006/main" type="title" preserve="1">
   <p:cSld name="Title Slide">
@@ -243,7 +677,7 @@
           <a:p>
             <a:fld id="{F8782BB8-19F3-3D45-9ED3-7C72268176C5}" type="datetimeFigureOut">
               <a:rPr lang="en-US" smtClean="0"/>
-              <a:t>8/15/17</a:t>
+              <a:t>8/28/17</a:t>
             </a:fld>
             <a:endParaRPr lang="en-US"/>
           </a:p>
@@ -413,7 +847,7 @@
           <a:p>
             <a:fld id="{F8782BB8-19F3-3D45-9ED3-7C72268176C5}" type="datetimeFigureOut">
               <a:rPr lang="en-US" smtClean="0"/>
-              <a:t>8/15/17</a:t>
+              <a:t>8/28/17</a:t>
             </a:fld>
             <a:endParaRPr lang="en-US"/>
           </a:p>
@@ -593,7 +1027,7 @@
           <a:p>
             <a:fld id="{F8782BB8-19F3-3D45-9ED3-7C72268176C5}" type="datetimeFigureOut">
               <a:rPr lang="en-US" smtClean="0"/>
-              <a:t>8/15/17</a:t>
+              <a:t>8/28/17</a:t>
             </a:fld>
             <a:endParaRPr lang="en-US"/>
           </a:p>
@@ -763,7 +1197,7 @@
           <a:p>
             <a:fld id="{F8782BB8-19F3-3D45-9ED3-7C72268176C5}" type="datetimeFigureOut">
               <a:rPr lang="en-US" smtClean="0"/>
-              <a:t>8/15/17</a:t>
+              <a:t>8/28/17</a:t>
             </a:fld>
             <a:endParaRPr lang="en-US"/>
           </a:p>
@@ -1009,7 +1443,7 @@
           <a:p>
             <a:fld id="{F8782BB8-19F3-3D45-9ED3-7C72268176C5}" type="datetimeFigureOut">
               <a:rPr lang="en-US" smtClean="0"/>
-              <a:t>8/15/17</a:t>
+              <a:t>8/28/17</a:t>
             </a:fld>
             <a:endParaRPr lang="en-US"/>
           </a:p>
@@ -1241,7 +1675,7 @@
           <a:p>
             <a:fld id="{F8782BB8-19F3-3D45-9ED3-7C72268176C5}" type="datetimeFigureOut">
               <a:rPr lang="en-US" smtClean="0"/>
-              <a:t>8/15/17</a:t>
+              <a:t>8/28/17</a:t>
             </a:fld>
             <a:endParaRPr lang="en-US"/>
           </a:p>
@@ -1608,7 +2042,7 @@
           <a:p>
             <a:fld id="{F8782BB8-19F3-3D45-9ED3-7C72268176C5}" type="datetimeFigureOut">
               <a:rPr lang="en-US" smtClean="0"/>
-              <a:t>8/15/17</a:t>
+              <a:t>8/28/17</a:t>
             </a:fld>
             <a:endParaRPr lang="en-US"/>
           </a:p>
@@ -1726,7 +2160,7 @@
           <a:p>
             <a:fld id="{F8782BB8-19F3-3D45-9ED3-7C72268176C5}" type="datetimeFigureOut">
               <a:rPr lang="en-US" smtClean="0"/>
-              <a:t>8/15/17</a:t>
+              <a:t>8/28/17</a:t>
             </a:fld>
             <a:endParaRPr lang="en-US"/>
           </a:p>
@@ -1821,7 +2255,7 @@
           <a:p>
             <a:fld id="{F8782BB8-19F3-3D45-9ED3-7C72268176C5}" type="datetimeFigureOut">
               <a:rPr lang="en-US" smtClean="0"/>
-              <a:t>8/15/17</a:t>
+              <a:t>8/28/17</a:t>
             </a:fld>
             <a:endParaRPr lang="en-US"/>
           </a:p>
@@ -2098,7 +2532,7 @@
           <a:p>
             <a:fld id="{F8782BB8-19F3-3D45-9ED3-7C72268176C5}" type="datetimeFigureOut">
               <a:rPr lang="en-US" smtClean="0"/>
-              <a:t>8/15/17</a:t>
+              <a:t>8/28/17</a:t>
             </a:fld>
             <a:endParaRPr lang="en-US"/>
           </a:p>
@@ -2351,7 +2785,7 @@
           <a:p>
             <a:fld id="{F8782BB8-19F3-3D45-9ED3-7C72268176C5}" type="datetimeFigureOut">
               <a:rPr lang="en-US" smtClean="0"/>
-              <a:t>8/15/17</a:t>
+              <a:t>8/28/17</a:t>
             </a:fld>
             <a:endParaRPr lang="en-US"/>
           </a:p>
@@ -2564,7 +2998,7 @@
           <a:p>
             <a:fld id="{F8782BB8-19F3-3D45-9ED3-7C72268176C5}" type="datetimeFigureOut">
               <a:rPr lang="en-US" smtClean="0"/>
-              <a:t>8/15/17</a:t>
+              <a:t>8/28/17</a:t>
             </a:fld>
             <a:endParaRPr lang="en-US"/>
           </a:p>
@@ -5002,7 +5436,7 @@
                 <a:ea typeface="Times New Roman" charset="0"/>
                 <a:cs typeface="Times New Roman" charset="0"/>
               </a:rPr>
-              <a:t>3</a:t>
+              <a:t>2</a:t>
             </a:r>
             <a:endParaRPr lang="en-US" dirty="0">
               <a:solidFill>
@@ -5017,515 +5451,13 @@
       </p:sp>
       <p:sp>
         <p:nvSpPr>
-          <p:cNvPr id="83" name="Rectangle 82"/>
-          <p:cNvSpPr/>
-          <p:nvPr/>
-        </p:nvSpPr>
-        <p:spPr>
-          <a:xfrm>
-            <a:off x="2640374" y="2664507"/>
-            <a:ext cx="611437" cy="395296"/>
-          </a:xfrm>
-          <a:prstGeom prst="rect">
-            <a:avLst/>
-          </a:prstGeom>
-          <a:solidFill>
-            <a:schemeClr val="accent6">
-              <a:lumMod val="60000"/>
-              <a:lumOff val="40000"/>
-            </a:schemeClr>
-          </a:solidFill>
-          <a:ln>
-            <a:solidFill>
-              <a:schemeClr val="tx1"/>
-            </a:solidFill>
-          </a:ln>
-        </p:spPr>
-        <p:style>
-          <a:lnRef idx="2">
-            <a:schemeClr val="accent1">
-              <a:shade val="50000"/>
-            </a:schemeClr>
-          </a:lnRef>
-          <a:fillRef idx="1">
-            <a:schemeClr val="accent1"/>
-          </a:fillRef>
-          <a:effectRef idx="0">
-            <a:schemeClr val="accent1"/>
-          </a:effectRef>
-          <a:fontRef idx="minor">
-            <a:schemeClr val="lt1"/>
-          </a:fontRef>
-        </p:style>
-        <p:txBody>
-          <a:bodyPr rtlCol="0" anchor="ctr"/>
-          <a:lstStyle/>
-          <a:p>
-            <a:pPr algn="ctr"/>
-            <a:r>
-              <a:rPr lang="en-US" dirty="0" smtClean="0">
-                <a:solidFill>
-                  <a:schemeClr val="tx1"/>
-                </a:solidFill>
-                <a:latin typeface="Times New Roman" charset="0"/>
-                <a:ea typeface="Times New Roman" charset="0"/>
-                <a:cs typeface="Times New Roman" charset="0"/>
-              </a:rPr>
-              <a:t>RTS</a:t>
-            </a:r>
-            <a:endParaRPr lang="en-US" dirty="0">
-              <a:solidFill>
-                <a:schemeClr val="tx1"/>
-              </a:solidFill>
-              <a:latin typeface="Times New Roman" charset="0"/>
-              <a:ea typeface="Times New Roman" charset="0"/>
-              <a:cs typeface="Times New Roman" charset="0"/>
-            </a:endParaRPr>
-          </a:p>
-        </p:txBody>
-      </p:sp>
-      <p:sp>
-        <p:nvSpPr>
-          <p:cNvPr id="84" name="Rectangle 83"/>
-          <p:cNvSpPr/>
-          <p:nvPr/>
-        </p:nvSpPr>
-        <p:spPr>
-          <a:xfrm>
-            <a:off x="2637620" y="1807385"/>
-            <a:ext cx="611437" cy="395296"/>
-          </a:xfrm>
-          <a:prstGeom prst="rect">
-            <a:avLst/>
-          </a:prstGeom>
-          <a:pattFill prst="ltUpDiag">
-            <a:fgClr>
-              <a:schemeClr val="accent6">
-                <a:lumMod val="60000"/>
-                <a:lumOff val="40000"/>
-              </a:schemeClr>
-            </a:fgClr>
-            <a:bgClr>
-              <a:schemeClr val="bg1"/>
-            </a:bgClr>
-          </a:pattFill>
-          <a:ln>
-            <a:solidFill>
-              <a:schemeClr val="tx1"/>
-            </a:solidFill>
-          </a:ln>
-        </p:spPr>
-        <p:style>
-          <a:lnRef idx="2">
-            <a:schemeClr val="accent1">
-              <a:shade val="50000"/>
-            </a:schemeClr>
-          </a:lnRef>
-          <a:fillRef idx="1">
-            <a:schemeClr val="accent1"/>
-          </a:fillRef>
-          <a:effectRef idx="0">
-            <a:schemeClr val="accent1"/>
-          </a:effectRef>
-          <a:fontRef idx="minor">
-            <a:schemeClr val="lt1"/>
-          </a:fontRef>
-        </p:style>
-        <p:txBody>
-          <a:bodyPr rtlCol="0" anchor="ctr"/>
-          <a:lstStyle/>
-          <a:p>
-            <a:pPr algn="ctr"/>
-            <a:r>
-              <a:rPr lang="en-US" dirty="0" smtClean="0">
-                <a:solidFill>
-                  <a:schemeClr val="tx1"/>
-                </a:solidFill>
-                <a:latin typeface="Times New Roman" charset="0"/>
-                <a:ea typeface="Times New Roman" charset="0"/>
-                <a:cs typeface="Times New Roman" charset="0"/>
-              </a:rPr>
-              <a:t>RTS</a:t>
-            </a:r>
-            <a:endParaRPr lang="en-US" dirty="0">
-              <a:solidFill>
-                <a:schemeClr val="tx1"/>
-              </a:solidFill>
-              <a:latin typeface="Times New Roman" charset="0"/>
-              <a:ea typeface="Times New Roman" charset="0"/>
-              <a:cs typeface="Times New Roman" charset="0"/>
-            </a:endParaRPr>
-          </a:p>
-        </p:txBody>
-      </p:sp>
-      <p:sp>
-        <p:nvSpPr>
-          <p:cNvPr id="86" name="Rectangle 85"/>
-          <p:cNvSpPr/>
-          <p:nvPr/>
-        </p:nvSpPr>
-        <p:spPr>
-          <a:xfrm>
-            <a:off x="2637619" y="976304"/>
-            <a:ext cx="611437" cy="395296"/>
-          </a:xfrm>
-          <a:prstGeom prst="rect">
-            <a:avLst/>
-          </a:prstGeom>
-          <a:pattFill prst="ltUpDiag">
-            <a:fgClr>
-              <a:schemeClr val="accent6">
-                <a:lumMod val="60000"/>
-                <a:lumOff val="40000"/>
-              </a:schemeClr>
-            </a:fgClr>
-            <a:bgClr>
-              <a:schemeClr val="bg1"/>
-            </a:bgClr>
-          </a:pattFill>
-          <a:ln>
-            <a:solidFill>
-              <a:schemeClr val="tx1"/>
-            </a:solidFill>
-          </a:ln>
-        </p:spPr>
-        <p:style>
-          <a:lnRef idx="2">
-            <a:schemeClr val="accent1">
-              <a:shade val="50000"/>
-            </a:schemeClr>
-          </a:lnRef>
-          <a:fillRef idx="1">
-            <a:schemeClr val="accent1"/>
-          </a:fillRef>
-          <a:effectRef idx="0">
-            <a:schemeClr val="accent1"/>
-          </a:effectRef>
-          <a:fontRef idx="minor">
-            <a:schemeClr val="lt1"/>
-          </a:fontRef>
-        </p:style>
-        <p:txBody>
-          <a:bodyPr rtlCol="0" anchor="ctr"/>
-          <a:lstStyle/>
-          <a:p>
-            <a:pPr algn="ctr"/>
-            <a:r>
-              <a:rPr lang="en-US" dirty="0" smtClean="0">
-                <a:solidFill>
-                  <a:schemeClr val="tx1"/>
-                </a:solidFill>
-                <a:latin typeface="Times New Roman" charset="0"/>
-                <a:ea typeface="Times New Roman" charset="0"/>
-                <a:cs typeface="Times New Roman" charset="0"/>
-              </a:rPr>
-              <a:t>RTS</a:t>
-            </a:r>
-            <a:endParaRPr lang="en-US" dirty="0">
-              <a:solidFill>
-                <a:schemeClr val="tx1"/>
-              </a:solidFill>
-              <a:latin typeface="Times New Roman" charset="0"/>
-              <a:ea typeface="Times New Roman" charset="0"/>
-              <a:cs typeface="Times New Roman" charset="0"/>
-            </a:endParaRPr>
-          </a:p>
-        </p:txBody>
-      </p:sp>
-      <p:sp>
-        <p:nvSpPr>
-          <p:cNvPr id="87" name="Rectangle 86"/>
-          <p:cNvSpPr/>
-          <p:nvPr/>
-        </p:nvSpPr>
-        <p:spPr>
-          <a:xfrm>
-            <a:off x="3554776" y="976304"/>
-            <a:ext cx="449854" cy="395296"/>
-          </a:xfrm>
-          <a:prstGeom prst="rect">
-            <a:avLst/>
-          </a:prstGeom>
-          <a:solidFill>
-            <a:schemeClr val="accent6">
-              <a:lumMod val="60000"/>
-              <a:lumOff val="40000"/>
-            </a:schemeClr>
-          </a:solidFill>
-          <a:ln>
-            <a:solidFill>
-              <a:schemeClr val="tx1"/>
-            </a:solidFill>
-          </a:ln>
-        </p:spPr>
-        <p:style>
-          <a:lnRef idx="2">
-            <a:schemeClr val="accent1">
-              <a:shade val="50000"/>
-            </a:schemeClr>
-          </a:lnRef>
-          <a:fillRef idx="1">
-            <a:schemeClr val="accent1"/>
-          </a:fillRef>
-          <a:effectRef idx="0">
-            <a:schemeClr val="accent1"/>
-          </a:effectRef>
-          <a:fontRef idx="minor">
-            <a:schemeClr val="lt1"/>
-          </a:fontRef>
-        </p:style>
-        <p:txBody>
-          <a:bodyPr rtlCol="0" anchor="ctr"/>
-          <a:lstStyle/>
-          <a:p>
-            <a:pPr algn="ctr"/>
-            <a:r>
-              <a:rPr lang="en-US" sz="1100" dirty="0" smtClean="0">
-                <a:solidFill>
-                  <a:schemeClr val="tx1"/>
-                </a:solidFill>
-                <a:latin typeface="Times New Roman" charset="0"/>
-                <a:ea typeface="Times New Roman" charset="0"/>
-                <a:cs typeface="Times New Roman" charset="0"/>
-              </a:rPr>
-              <a:t>CTS</a:t>
-            </a:r>
-            <a:endParaRPr lang="en-US" sz="1100" dirty="0">
-              <a:solidFill>
-                <a:schemeClr val="tx1"/>
-              </a:solidFill>
-              <a:latin typeface="Times New Roman" charset="0"/>
-              <a:ea typeface="Times New Roman" charset="0"/>
-              <a:cs typeface="Times New Roman" charset="0"/>
-            </a:endParaRPr>
-          </a:p>
-        </p:txBody>
-      </p:sp>
-      <p:sp>
-        <p:nvSpPr>
-          <p:cNvPr id="88" name="Rectangle 87"/>
-          <p:cNvSpPr/>
-          <p:nvPr/>
-        </p:nvSpPr>
-        <p:spPr>
-          <a:xfrm>
-            <a:off x="3253645" y="1807385"/>
-            <a:ext cx="757412" cy="395296"/>
-          </a:xfrm>
-          <a:prstGeom prst="rect">
-            <a:avLst/>
-          </a:prstGeom>
-          <a:pattFill prst="ltUpDiag">
-            <a:fgClr>
-              <a:srgbClr val="EF6F72"/>
-            </a:fgClr>
-            <a:bgClr>
-              <a:schemeClr val="bg1"/>
-            </a:bgClr>
-          </a:pattFill>
-          <a:ln>
-            <a:solidFill>
-              <a:schemeClr val="tx1"/>
-            </a:solidFill>
-          </a:ln>
-        </p:spPr>
-        <p:style>
-          <a:lnRef idx="2">
-            <a:schemeClr val="accent1">
-              <a:shade val="50000"/>
-            </a:schemeClr>
-          </a:lnRef>
-          <a:fillRef idx="1">
-            <a:schemeClr val="accent1"/>
-          </a:fillRef>
-          <a:effectRef idx="0">
-            <a:schemeClr val="accent1"/>
-          </a:effectRef>
-          <a:fontRef idx="minor">
-            <a:schemeClr val="lt1"/>
-          </a:fontRef>
-        </p:style>
-        <p:txBody>
-          <a:bodyPr rtlCol="0" anchor="ctr"/>
-          <a:lstStyle/>
-          <a:p>
-            <a:pPr algn="ctr"/>
-            <a:r>
-              <a:rPr lang="en-US" sz="1100" dirty="0" smtClean="0">
-                <a:solidFill>
-                  <a:schemeClr val="tx1"/>
-                </a:solidFill>
-                <a:latin typeface="Times New Roman" charset="0"/>
-                <a:ea typeface="Times New Roman" charset="0"/>
-                <a:cs typeface="Times New Roman" charset="0"/>
-              </a:rPr>
-              <a:t>NAV RTS</a:t>
-            </a:r>
-            <a:endParaRPr lang="en-US" sz="1100" dirty="0">
-              <a:solidFill>
-                <a:schemeClr val="tx1"/>
-              </a:solidFill>
-              <a:latin typeface="Times New Roman" charset="0"/>
-              <a:ea typeface="Times New Roman" charset="0"/>
-              <a:cs typeface="Times New Roman" charset="0"/>
-            </a:endParaRPr>
-          </a:p>
-        </p:txBody>
-      </p:sp>
-      <p:sp>
-        <p:nvSpPr>
-          <p:cNvPr id="89" name="Rectangle 88"/>
-          <p:cNvSpPr/>
-          <p:nvPr/>
-        </p:nvSpPr>
-        <p:spPr>
-          <a:xfrm>
-            <a:off x="3557740" y="2664507"/>
-            <a:ext cx="449854" cy="395296"/>
-          </a:xfrm>
-          <a:prstGeom prst="rect">
-            <a:avLst/>
-          </a:prstGeom>
-          <a:pattFill prst="ltUpDiag">
-            <a:fgClr>
-              <a:schemeClr val="accent6">
-                <a:lumMod val="60000"/>
-                <a:lumOff val="40000"/>
-              </a:schemeClr>
-            </a:fgClr>
-            <a:bgClr>
-              <a:schemeClr val="bg1"/>
-            </a:bgClr>
-          </a:pattFill>
-          <a:ln>
-            <a:solidFill>
-              <a:schemeClr val="tx1"/>
-            </a:solidFill>
-          </a:ln>
-        </p:spPr>
-        <p:style>
-          <a:lnRef idx="2">
-            <a:schemeClr val="accent1">
-              <a:shade val="50000"/>
-            </a:schemeClr>
-          </a:lnRef>
-          <a:fillRef idx="1">
-            <a:schemeClr val="accent1"/>
-          </a:fillRef>
-          <a:effectRef idx="0">
-            <a:schemeClr val="accent1"/>
-          </a:effectRef>
-          <a:fontRef idx="minor">
-            <a:schemeClr val="lt1"/>
-          </a:fontRef>
-        </p:style>
-        <p:txBody>
-          <a:bodyPr rtlCol="0" anchor="ctr"/>
-          <a:lstStyle/>
-          <a:p>
-            <a:pPr algn="ctr"/>
-            <a:r>
-              <a:rPr lang="en-US" sz="1100" dirty="0" smtClean="0">
-                <a:solidFill>
-                  <a:schemeClr val="tx1"/>
-                </a:solidFill>
-                <a:latin typeface="Times New Roman" charset="0"/>
-                <a:ea typeface="Times New Roman" charset="0"/>
-                <a:cs typeface="Times New Roman" charset="0"/>
-              </a:rPr>
-              <a:t>CTS</a:t>
-            </a:r>
-            <a:endParaRPr lang="en-US" sz="1100" dirty="0">
-              <a:solidFill>
-                <a:schemeClr val="tx1"/>
-              </a:solidFill>
-              <a:latin typeface="Times New Roman" charset="0"/>
-              <a:ea typeface="Times New Roman" charset="0"/>
-              <a:cs typeface="Times New Roman" charset="0"/>
-            </a:endParaRPr>
-          </a:p>
-        </p:txBody>
-      </p:sp>
-      <p:sp>
-        <p:nvSpPr>
-          <p:cNvPr id="90" name="Rectangle 89"/>
-          <p:cNvSpPr/>
-          <p:nvPr/>
-        </p:nvSpPr>
-        <p:spPr>
-          <a:xfrm>
-            <a:off x="4014727" y="1807385"/>
-            <a:ext cx="2616402" cy="395296"/>
-          </a:xfrm>
-          <a:prstGeom prst="rect">
-            <a:avLst/>
-          </a:prstGeom>
-          <a:pattFill prst="ltUpDiag">
-            <a:fgClr>
-              <a:srgbClr val="EF6F72"/>
-            </a:fgClr>
-            <a:bgClr>
-              <a:schemeClr val="bg1"/>
-            </a:bgClr>
-          </a:pattFill>
-          <a:ln>
-            <a:solidFill>
-              <a:schemeClr val="tx1"/>
-            </a:solidFill>
-          </a:ln>
-        </p:spPr>
-        <p:style>
-          <a:lnRef idx="2">
-            <a:schemeClr val="accent1">
-              <a:shade val="50000"/>
-            </a:schemeClr>
-          </a:lnRef>
-          <a:fillRef idx="1">
-            <a:schemeClr val="accent1"/>
-          </a:fillRef>
-          <a:effectRef idx="0">
-            <a:schemeClr val="accent1"/>
-          </a:effectRef>
-          <a:fontRef idx="minor">
-            <a:schemeClr val="lt1"/>
-          </a:fontRef>
-        </p:style>
-        <p:txBody>
-          <a:bodyPr rtlCol="0" anchor="ctr"/>
-          <a:lstStyle/>
-          <a:p>
-            <a:pPr algn="ctr"/>
-            <a:r>
-              <a:rPr lang="en-US" dirty="0" smtClean="0">
-                <a:solidFill>
-                  <a:schemeClr val="tx1"/>
-                </a:solidFill>
-                <a:latin typeface="Times New Roman" charset="0"/>
-                <a:ea typeface="Times New Roman" charset="0"/>
-                <a:cs typeface="Times New Roman" charset="0"/>
-              </a:rPr>
-              <a:t>NAV CTS</a:t>
-            </a:r>
-            <a:endParaRPr lang="en-US" dirty="0">
-              <a:solidFill>
-                <a:schemeClr val="tx1"/>
-              </a:solidFill>
-              <a:latin typeface="Times New Roman" charset="0"/>
-              <a:ea typeface="Times New Roman" charset="0"/>
-              <a:cs typeface="Times New Roman" charset="0"/>
-            </a:endParaRPr>
-          </a:p>
-        </p:txBody>
-      </p:sp>
-      <p:sp>
-        <p:nvSpPr>
           <p:cNvPr id="91" name="Rectangle 90"/>
           <p:cNvSpPr/>
           <p:nvPr/>
         </p:nvSpPr>
         <p:spPr>
           <a:xfrm>
-            <a:off x="4331465" y="2664507"/>
+            <a:off x="2636787" y="2663557"/>
             <a:ext cx="1527672" cy="395296"/>
           </a:xfrm>
           <a:prstGeom prst="rect">
@@ -5594,7 +5526,7 @@
         </p:nvSpPr>
         <p:spPr>
           <a:xfrm>
-            <a:off x="4331465" y="976304"/>
+            <a:off x="2635785" y="976304"/>
             <a:ext cx="1527672" cy="395296"/>
           </a:xfrm>
           <a:prstGeom prst="rect">
@@ -5668,7 +5600,7 @@
         </p:nvSpPr>
         <p:spPr>
           <a:xfrm>
-            <a:off x="6168077" y="976304"/>
+            <a:off x="4473965" y="976304"/>
             <a:ext cx="468218" cy="395296"/>
           </a:xfrm>
           <a:prstGeom prst="rect">
@@ -5737,7 +5669,7 @@
         </p:nvSpPr>
         <p:spPr>
           <a:xfrm>
-            <a:off x="6162911" y="2677488"/>
+            <a:off x="4471012" y="2662801"/>
             <a:ext cx="468218" cy="395296"/>
           </a:xfrm>
           <a:prstGeom prst="rect">
@@ -5919,13 +5851,13 @@
       </p:sp>
       <p:sp>
         <p:nvSpPr>
-          <p:cNvPr id="99" name="TextBox 98"/>
+          <p:cNvPr id="104" name="TextBox 103"/>
           <p:cNvSpPr txBox="1"/>
           <p:nvPr/>
         </p:nvSpPr>
         <p:spPr>
           <a:xfrm>
-            <a:off x="3170535" y="541632"/>
+            <a:off x="4077679" y="541279"/>
             <a:ext cx="684901" cy="276999"/>
           </a:xfrm>
           <a:prstGeom prst="rect">
@@ -5957,13 +5889,13 @@
       </p:sp>
       <p:cxnSp>
         <p:nvCxnSpPr>
-          <p:cNvPr id="102" name="Straight Arrow Connector 101"/>
+          <p:cNvPr id="105" name="Straight Arrow Connector 104"/>
           <p:cNvCxnSpPr/>
           <p:nvPr/>
         </p:nvCxnSpPr>
         <p:spPr>
           <a:xfrm>
-            <a:off x="3172399" y="793903"/>
+            <a:off x="4079543" y="793550"/>
             <a:ext cx="459952" cy="0"/>
           </a:xfrm>
           <a:prstGeom prst="straightConnector1">
@@ -5994,13 +5926,13 @@
       </p:cxnSp>
       <p:sp>
         <p:nvSpPr>
-          <p:cNvPr id="104" name="TextBox 103"/>
+          <p:cNvPr id="108" name="TextBox 107"/>
           <p:cNvSpPr txBox="1"/>
           <p:nvPr/>
         </p:nvSpPr>
         <p:spPr>
           <a:xfrm>
-            <a:off x="3935913" y="541279"/>
+            <a:off x="4994700" y="547326"/>
             <a:ext cx="684901" cy="276999"/>
           </a:xfrm>
           <a:prstGeom prst="rect">
@@ -6020,7 +5952,7 @@
                 <a:ea typeface="Times New Roman" charset="0"/>
                 <a:cs typeface="Times New Roman" charset="0"/>
               </a:rPr>
-              <a:t>SIFS</a:t>
+              <a:t>DIFS</a:t>
             </a:r>
             <a:endParaRPr lang="en-US" sz="1200" dirty="0">
               <a:latin typeface="Times New Roman" charset="0"/>
@@ -6032,14 +5964,14 @@
       </p:sp>
       <p:cxnSp>
         <p:nvCxnSpPr>
-          <p:cNvPr id="105" name="Straight Arrow Connector 104"/>
+          <p:cNvPr id="109" name="Straight Arrow Connector 108"/>
           <p:cNvCxnSpPr/>
           <p:nvPr/>
         </p:nvCxnSpPr>
         <p:spPr>
           <a:xfrm>
-            <a:off x="3937777" y="793550"/>
-            <a:ext cx="459952" cy="0"/>
+            <a:off x="4846256" y="799597"/>
+            <a:ext cx="769555" cy="0"/>
           </a:xfrm>
           <a:prstGeom prst="straightConnector1">
             <a:avLst/>
@@ -6069,163 +6001,13 @@
       </p:cxnSp>
       <p:sp>
         <p:nvSpPr>
-          <p:cNvPr id="106" name="TextBox 105"/>
-          <p:cNvSpPr txBox="1"/>
-          <p:nvPr/>
-        </p:nvSpPr>
-        <p:spPr>
-          <a:xfrm>
-            <a:off x="5776311" y="531439"/>
-            <a:ext cx="684901" cy="276999"/>
-          </a:xfrm>
-          <a:prstGeom prst="rect">
-            <a:avLst/>
-          </a:prstGeom>
-          <a:noFill/>
-        </p:spPr>
-        <p:txBody>
-          <a:bodyPr wrap="square" rtlCol="0">
-            <a:spAutoFit/>
-          </a:bodyPr>
-          <a:lstStyle/>
-          <a:p>
-            <a:r>
-              <a:rPr lang="en-US" sz="1200" dirty="0" smtClean="0">
-                <a:latin typeface="Times New Roman" charset="0"/>
-                <a:ea typeface="Times New Roman" charset="0"/>
-                <a:cs typeface="Times New Roman" charset="0"/>
-              </a:rPr>
-              <a:t>SIFS</a:t>
-            </a:r>
-            <a:endParaRPr lang="en-US" sz="1200" dirty="0">
-              <a:latin typeface="Times New Roman" charset="0"/>
-              <a:ea typeface="Times New Roman" charset="0"/>
-              <a:cs typeface="Times New Roman" charset="0"/>
-            </a:endParaRPr>
-          </a:p>
-        </p:txBody>
-      </p:sp>
-      <p:cxnSp>
-        <p:nvCxnSpPr>
-          <p:cNvPr id="107" name="Straight Arrow Connector 106"/>
-          <p:cNvCxnSpPr/>
-          <p:nvPr/>
-        </p:nvCxnSpPr>
-        <p:spPr>
-          <a:xfrm>
-            <a:off x="5778175" y="783710"/>
-            <a:ext cx="459952" cy="0"/>
-          </a:xfrm>
-          <a:prstGeom prst="straightConnector1">
-            <a:avLst/>
-          </a:prstGeom>
-          <a:ln>
-            <a:solidFill>
-              <a:schemeClr val="tx1"/>
-            </a:solidFill>
-            <a:headEnd type="triangle"/>
-            <a:tailEnd type="triangle"/>
-          </a:ln>
-        </p:spPr>
-        <p:style>
-          <a:lnRef idx="1">
-            <a:schemeClr val="accent1"/>
-          </a:lnRef>
-          <a:fillRef idx="0">
-            <a:schemeClr val="accent1"/>
-          </a:fillRef>
-          <a:effectRef idx="0">
-            <a:schemeClr val="accent1"/>
-          </a:effectRef>
-          <a:fontRef idx="minor">
-            <a:schemeClr val="tx1"/>
-          </a:fontRef>
-        </p:style>
-      </p:cxnSp>
-      <p:sp>
-        <p:nvSpPr>
-          <p:cNvPr id="108" name="TextBox 107"/>
-          <p:cNvSpPr txBox="1"/>
-          <p:nvPr/>
-        </p:nvSpPr>
-        <p:spPr>
-          <a:xfrm>
-            <a:off x="6687001" y="541279"/>
-            <a:ext cx="684901" cy="276999"/>
-          </a:xfrm>
-          <a:prstGeom prst="rect">
-            <a:avLst/>
-          </a:prstGeom>
-          <a:noFill/>
-        </p:spPr>
-        <p:txBody>
-          <a:bodyPr wrap="square" rtlCol="0">
-            <a:spAutoFit/>
-          </a:bodyPr>
-          <a:lstStyle/>
-          <a:p>
-            <a:r>
-              <a:rPr lang="en-US" sz="1200" dirty="0" smtClean="0">
-                <a:latin typeface="Times New Roman" charset="0"/>
-                <a:ea typeface="Times New Roman" charset="0"/>
-                <a:cs typeface="Times New Roman" charset="0"/>
-              </a:rPr>
-              <a:t>DIFS</a:t>
-            </a:r>
-            <a:endParaRPr lang="en-US" sz="1200" dirty="0">
-              <a:latin typeface="Times New Roman" charset="0"/>
-              <a:ea typeface="Times New Roman" charset="0"/>
-              <a:cs typeface="Times New Roman" charset="0"/>
-            </a:endParaRPr>
-          </a:p>
-        </p:txBody>
-      </p:sp>
-      <p:cxnSp>
-        <p:nvCxnSpPr>
-          <p:cNvPr id="109" name="Straight Arrow Connector 108"/>
-          <p:cNvCxnSpPr/>
-          <p:nvPr/>
-        </p:nvCxnSpPr>
-        <p:spPr>
-          <a:xfrm>
-            <a:off x="6538557" y="793550"/>
-            <a:ext cx="769555" cy="0"/>
-          </a:xfrm>
-          <a:prstGeom prst="straightConnector1">
-            <a:avLst/>
-          </a:prstGeom>
-          <a:ln>
-            <a:solidFill>
-              <a:schemeClr val="tx1"/>
-            </a:solidFill>
-            <a:headEnd type="triangle"/>
-            <a:tailEnd type="triangle"/>
-          </a:ln>
-        </p:spPr>
-        <p:style>
-          <a:lnRef idx="1">
-            <a:schemeClr val="accent1"/>
-          </a:lnRef>
-          <a:fillRef idx="0">
-            <a:schemeClr val="accent1"/>
-          </a:fillRef>
-          <a:effectRef idx="0">
-            <a:schemeClr val="accent1"/>
-          </a:effectRef>
-          <a:fontRef idx="minor">
-            <a:schemeClr val="tx1"/>
-          </a:fontRef>
-        </p:style>
-      </p:cxnSp>
-      <p:sp>
-        <p:nvSpPr>
           <p:cNvPr id="111" name="Rectangle 110"/>
           <p:cNvSpPr/>
           <p:nvPr/>
         </p:nvSpPr>
         <p:spPr>
           <a:xfrm>
-            <a:off x="7238218" y="1806641"/>
+            <a:off x="5551584" y="1807239"/>
             <a:ext cx="156072" cy="395296"/>
           </a:xfrm>
           <a:prstGeom prst="rect">
@@ -6293,8 +6075,8 @@
         </p:nvSpPr>
         <p:spPr>
           <a:xfrm>
-            <a:off x="7232574" y="977882"/>
-            <a:ext cx="156072" cy="395296"/>
+            <a:off x="5552503" y="976304"/>
+            <a:ext cx="146889" cy="395296"/>
           </a:xfrm>
           <a:prstGeom prst="rect">
             <a:avLst/>
@@ -6340,7 +6122,7 @@
                 <a:ea typeface="Times New Roman" charset="0"/>
                 <a:cs typeface="Times New Roman" charset="0"/>
               </a:rPr>
-              <a:t>2</a:t>
+              <a:t>1</a:t>
             </a:r>
             <a:endParaRPr lang="en-US" dirty="0">
               <a:solidFill>
@@ -6361,8 +6143,8 @@
         </p:nvSpPr>
         <p:spPr>
           <a:xfrm>
-            <a:off x="7234674" y="2663910"/>
-            <a:ext cx="144791" cy="401786"/>
+            <a:off x="5549092" y="2657509"/>
+            <a:ext cx="144791" cy="401441"/>
           </a:xfrm>
           <a:prstGeom prst="rect">
             <a:avLst/>
@@ -6423,90 +6205,21 @@
       </p:sp>
       <p:sp>
         <p:nvSpPr>
-          <p:cNvPr id="114" name="Rectangle 113"/>
+          <p:cNvPr id="92" name="Rectangle 91"/>
           <p:cNvSpPr/>
           <p:nvPr/>
         </p:nvSpPr>
         <p:spPr>
           <a:xfrm>
-            <a:off x="7390481" y="1807239"/>
-            <a:ext cx="611437" cy="395296"/>
-          </a:xfrm>
-          <a:prstGeom prst="rect">
-            <a:avLst/>
-          </a:prstGeom>
-          <a:solidFill>
-            <a:schemeClr val="accent6">
-              <a:lumMod val="60000"/>
-              <a:lumOff val="40000"/>
-            </a:schemeClr>
-          </a:solidFill>
-          <a:ln>
-            <a:solidFill>
-              <a:schemeClr val="tx1"/>
-            </a:solidFill>
-          </a:ln>
-        </p:spPr>
-        <p:style>
-          <a:lnRef idx="2">
-            <a:schemeClr val="accent1">
-              <a:shade val="50000"/>
-            </a:schemeClr>
-          </a:lnRef>
-          <a:fillRef idx="1">
-            <a:schemeClr val="accent1"/>
-          </a:fillRef>
-          <a:effectRef idx="0">
-            <a:schemeClr val="accent1"/>
-          </a:effectRef>
-          <a:fontRef idx="minor">
-            <a:schemeClr val="lt1"/>
-          </a:fontRef>
-        </p:style>
-        <p:txBody>
-          <a:bodyPr rtlCol="0" anchor="ctr"/>
-          <a:lstStyle/>
-          <a:p>
-            <a:pPr algn="ctr"/>
-            <a:r>
-              <a:rPr lang="en-US" dirty="0" smtClean="0">
-                <a:solidFill>
-                  <a:schemeClr val="tx1"/>
-                </a:solidFill>
-                <a:latin typeface="Times New Roman" charset="0"/>
-                <a:ea typeface="Times New Roman" charset="0"/>
-                <a:cs typeface="Times New Roman" charset="0"/>
-              </a:rPr>
-              <a:t>RTS</a:t>
-            </a:r>
-            <a:endParaRPr lang="en-US" dirty="0">
-              <a:solidFill>
-                <a:schemeClr val="tx1"/>
-              </a:solidFill>
-              <a:latin typeface="Times New Roman" charset="0"/>
-              <a:ea typeface="Times New Roman" charset="0"/>
-              <a:cs typeface="Times New Roman" charset="0"/>
-            </a:endParaRPr>
-          </a:p>
-        </p:txBody>
-      </p:sp>
-      <p:sp>
-        <p:nvSpPr>
-          <p:cNvPr id="115" name="Rectangle 114"/>
-          <p:cNvSpPr/>
-          <p:nvPr/>
-        </p:nvSpPr>
-        <p:spPr>
-          <a:xfrm>
-            <a:off x="7384054" y="978165"/>
-            <a:ext cx="611437" cy="395296"/>
+            <a:off x="2637622" y="1804314"/>
+            <a:ext cx="1527672" cy="395296"/>
           </a:xfrm>
           <a:prstGeom prst="rect">
             <a:avLst/>
           </a:prstGeom>
           <a:pattFill prst="ltUpDiag">
             <a:fgClr>
-              <a:schemeClr val="accent6">
+              <a:schemeClr val="accent1">
                 <a:lumMod val="60000"/>
                 <a:lumOff val="40000"/>
               </a:schemeClr>
@@ -6543,7 +6256,7 @@
           <a:p>
             <a:pPr algn="ctr"/>
             <a:r>
-              <a:rPr lang="en-US" dirty="0" smtClean="0">
+              <a:rPr lang="en-US" smtClean="0">
                 <a:solidFill>
                   <a:schemeClr val="tx1"/>
                 </a:solidFill>
@@ -6551,7 +6264,7 @@
                 <a:ea typeface="Times New Roman" charset="0"/>
                 <a:cs typeface="Times New Roman" charset="0"/>
               </a:rPr>
-              <a:t>RTS</a:t>
+              <a:t>DATA</a:t>
             </a:r>
             <a:endParaRPr lang="en-US" dirty="0">
               <a:solidFill>
@@ -6566,21 +6279,21 @@
       </p:sp>
       <p:sp>
         <p:nvSpPr>
-          <p:cNvPr id="116" name="Rectangle 115"/>
+          <p:cNvPr id="100" name="Rectangle 99"/>
           <p:cNvSpPr/>
           <p:nvPr/>
         </p:nvSpPr>
         <p:spPr>
           <a:xfrm>
-            <a:off x="7386288" y="2663910"/>
-            <a:ext cx="611437" cy="395296"/>
+            <a:off x="4474817" y="1803274"/>
+            <a:ext cx="468218" cy="395296"/>
           </a:xfrm>
           <a:prstGeom prst="rect">
             <a:avLst/>
           </a:prstGeom>
           <a:pattFill prst="ltUpDiag">
             <a:fgClr>
-              <a:schemeClr val="accent6">
+              <a:schemeClr val="accent1">
                 <a:lumMod val="60000"/>
                 <a:lumOff val="40000"/>
               </a:schemeClr>
@@ -6617,7 +6330,7 @@
           <a:p>
             <a:pPr algn="ctr"/>
             <a:r>
-              <a:rPr lang="en-US" dirty="0" smtClean="0">
+              <a:rPr lang="en-US" sz="1050" dirty="0" smtClean="0">
                 <a:solidFill>
                   <a:schemeClr val="tx1"/>
                 </a:solidFill>
@@ -6625,7 +6338,73 @@
                 <a:ea typeface="Times New Roman" charset="0"/>
                 <a:cs typeface="Times New Roman" charset="0"/>
               </a:rPr>
-              <a:t>RTS</a:t>
+              <a:t>ACK</a:t>
+            </a:r>
+            <a:endParaRPr lang="en-US" sz="1050" dirty="0">
+              <a:solidFill>
+                <a:schemeClr val="tx1"/>
+              </a:solidFill>
+              <a:latin typeface="Times New Roman" charset="0"/>
+              <a:ea typeface="Times New Roman" charset="0"/>
+              <a:cs typeface="Times New Roman" charset="0"/>
+            </a:endParaRPr>
+          </a:p>
+        </p:txBody>
+      </p:sp>
+      <p:sp>
+        <p:nvSpPr>
+          <p:cNvPr id="101" name="Rectangle 100"/>
+          <p:cNvSpPr/>
+          <p:nvPr/>
+        </p:nvSpPr>
+        <p:spPr>
+          <a:xfrm>
+            <a:off x="5714992" y="1806336"/>
+            <a:ext cx="1527672" cy="395296"/>
+          </a:xfrm>
+          <a:prstGeom prst="rect">
+            <a:avLst/>
+          </a:prstGeom>
+          <a:solidFill>
+            <a:srgbClr val="EF6F72"/>
+          </a:solidFill>
+          <a:ln>
+            <a:solidFill>
+              <a:schemeClr val="tx1"/>
+            </a:solidFill>
+          </a:ln>
+        </p:spPr>
+        <p:style>
+          <a:lnRef idx="2">
+            <a:schemeClr val="accent1">
+              <a:shade val="50000"/>
+            </a:schemeClr>
+          </a:lnRef>
+          <a:fillRef idx="1">
+            <a:schemeClr val="accent1"/>
+          </a:fillRef>
+          <a:effectRef idx="0">
+            <a:schemeClr val="accent1"/>
+          </a:effectRef>
+          <a:fontRef idx="minor">
+            <a:schemeClr val="lt1"/>
+          </a:fontRef>
+        </p:style>
+        <p:txBody>
+          <a:bodyPr rtlCol="0" anchor="ctr"/>
+          <a:lstStyle/>
+          <a:p>
+            <a:pPr algn="ctr"/>
+            <a:r>
+              <a:rPr lang="en-US" smtClean="0">
+                <a:solidFill>
+                  <a:schemeClr val="tx1"/>
+                </a:solidFill>
+                <a:latin typeface="Times New Roman" charset="0"/>
+                <a:ea typeface="Times New Roman" charset="0"/>
+                <a:cs typeface="Times New Roman" charset="0"/>
+              </a:rPr>
+              <a:t>DATA</a:t>
             </a:r>
             <a:endParaRPr lang="en-US" dirty="0">
               <a:solidFill>
@@ -6640,168 +6419,21 @@
       </p:sp>
       <p:sp>
         <p:nvSpPr>
-          <p:cNvPr id="117" name="Rectangle 116"/>
+          <p:cNvPr id="103" name="Rectangle 102"/>
           <p:cNvSpPr/>
           <p:nvPr/>
         </p:nvSpPr>
         <p:spPr>
           <a:xfrm>
-            <a:off x="8307637" y="981998"/>
-            <a:ext cx="449854" cy="395296"/>
-          </a:xfrm>
-          <a:prstGeom prst="rect">
-            <a:avLst/>
-          </a:prstGeom>
-          <a:solidFill>
-            <a:schemeClr val="accent6">
-              <a:lumMod val="60000"/>
-              <a:lumOff val="40000"/>
-            </a:schemeClr>
-          </a:solidFill>
-          <a:ln>
-            <a:solidFill>
-              <a:schemeClr val="tx1"/>
-            </a:solidFill>
-          </a:ln>
-        </p:spPr>
-        <p:style>
-          <a:lnRef idx="2">
-            <a:schemeClr val="accent1">
-              <a:shade val="50000"/>
-            </a:schemeClr>
-          </a:lnRef>
-          <a:fillRef idx="1">
-            <a:schemeClr val="accent1"/>
-          </a:fillRef>
-          <a:effectRef idx="0">
-            <a:schemeClr val="accent1"/>
-          </a:effectRef>
-          <a:fontRef idx="minor">
-            <a:schemeClr val="lt1"/>
-          </a:fontRef>
-        </p:style>
-        <p:txBody>
-          <a:bodyPr rtlCol="0" anchor="ctr"/>
-          <a:lstStyle/>
-          <a:p>
-            <a:pPr algn="ctr"/>
-            <a:r>
-              <a:rPr lang="en-US" sz="1100" dirty="0" smtClean="0">
-                <a:solidFill>
-                  <a:schemeClr val="tx1"/>
-                </a:solidFill>
-                <a:latin typeface="Times New Roman" charset="0"/>
-                <a:ea typeface="Times New Roman" charset="0"/>
-                <a:cs typeface="Times New Roman" charset="0"/>
-              </a:rPr>
-              <a:t>CTS</a:t>
-            </a:r>
-            <a:endParaRPr lang="en-US" sz="1100" dirty="0">
-              <a:solidFill>
-                <a:schemeClr val="tx1"/>
-              </a:solidFill>
-              <a:latin typeface="Times New Roman" charset="0"/>
-              <a:ea typeface="Times New Roman" charset="0"/>
-              <a:cs typeface="Times New Roman" charset="0"/>
-            </a:endParaRPr>
-          </a:p>
-        </p:txBody>
-      </p:sp>
-      <p:sp>
-        <p:nvSpPr>
-          <p:cNvPr id="118" name="TextBox 117"/>
-          <p:cNvSpPr txBox="1"/>
-          <p:nvPr/>
-        </p:nvSpPr>
-        <p:spPr>
-          <a:xfrm>
-            <a:off x="7923396" y="547326"/>
-            <a:ext cx="684901" cy="276999"/>
-          </a:xfrm>
-          <a:prstGeom prst="rect">
-            <a:avLst/>
-          </a:prstGeom>
-          <a:noFill/>
-        </p:spPr>
-        <p:txBody>
-          <a:bodyPr wrap="square" rtlCol="0">
-            <a:spAutoFit/>
-          </a:bodyPr>
-          <a:lstStyle/>
-          <a:p>
-            <a:r>
-              <a:rPr lang="en-US" sz="1200" dirty="0" smtClean="0">
-                <a:latin typeface="Times New Roman" charset="0"/>
-                <a:ea typeface="Times New Roman" charset="0"/>
-                <a:cs typeface="Times New Roman" charset="0"/>
-              </a:rPr>
-              <a:t>SIFS</a:t>
-            </a:r>
-            <a:endParaRPr lang="en-US" sz="1200" dirty="0">
-              <a:latin typeface="Times New Roman" charset="0"/>
-              <a:ea typeface="Times New Roman" charset="0"/>
-              <a:cs typeface="Times New Roman" charset="0"/>
-            </a:endParaRPr>
-          </a:p>
-        </p:txBody>
-      </p:sp>
-      <p:cxnSp>
-        <p:nvCxnSpPr>
-          <p:cNvPr id="119" name="Straight Arrow Connector 118"/>
-          <p:cNvCxnSpPr/>
-          <p:nvPr/>
-        </p:nvCxnSpPr>
-        <p:spPr>
-          <a:xfrm>
-            <a:off x="7925260" y="799597"/>
-            <a:ext cx="459952" cy="0"/>
-          </a:xfrm>
-          <a:prstGeom prst="straightConnector1">
-            <a:avLst/>
-          </a:prstGeom>
-          <a:ln>
-            <a:solidFill>
-              <a:schemeClr val="tx1"/>
-            </a:solidFill>
-            <a:headEnd type="triangle"/>
-            <a:tailEnd type="triangle"/>
-          </a:ln>
-        </p:spPr>
-        <p:style>
-          <a:lnRef idx="1">
-            <a:schemeClr val="accent1"/>
-          </a:lnRef>
-          <a:fillRef idx="0">
-            <a:schemeClr val="accent1"/>
-          </a:fillRef>
-          <a:effectRef idx="0">
-            <a:schemeClr val="accent1"/>
-          </a:effectRef>
-          <a:fontRef idx="minor">
-            <a:schemeClr val="tx1"/>
-          </a:fontRef>
-        </p:style>
-      </p:cxnSp>
-      <p:sp>
-        <p:nvSpPr>
-          <p:cNvPr id="120" name="Rectangle 119"/>
-          <p:cNvSpPr/>
-          <p:nvPr/>
-        </p:nvSpPr>
-        <p:spPr>
-          <a:xfrm>
-            <a:off x="8309674" y="1808807"/>
-            <a:ext cx="449854" cy="395296"/>
+            <a:off x="5696530" y="2663627"/>
+            <a:ext cx="1527672" cy="395296"/>
           </a:xfrm>
           <a:prstGeom prst="rect">
             <a:avLst/>
           </a:prstGeom>
           <a:pattFill prst="ltUpDiag">
             <a:fgClr>
-              <a:schemeClr val="accent6">
-                <a:lumMod val="60000"/>
-                <a:lumOff val="40000"/>
-              </a:schemeClr>
+              <a:srgbClr val="FF0000"/>
             </a:fgClr>
             <a:bgClr>
               <a:schemeClr val="bg1"/>
@@ -6835,7 +6467,7 @@
           <a:p>
             <a:pPr algn="ctr"/>
             <a:r>
-              <a:rPr lang="en-US" sz="1100" dirty="0" smtClean="0">
+              <a:rPr lang="en-US" smtClean="0">
                 <a:solidFill>
                   <a:schemeClr val="tx1"/>
                 </a:solidFill>
@@ -6843,9 +6475,9 @@
                 <a:ea typeface="Times New Roman" charset="0"/>
                 <a:cs typeface="Times New Roman" charset="0"/>
               </a:rPr>
-              <a:t>CTS</a:t>
-            </a:r>
-            <a:endParaRPr lang="en-US" sz="1100" dirty="0">
+              <a:t>DATA</a:t>
+            </a:r>
+            <a:endParaRPr lang="en-US" dirty="0">
               <a:solidFill>
                 <a:schemeClr val="tx1"/>
               </a:solidFill>
@@ -6858,26 +6490,21 @@
       </p:sp>
       <p:sp>
         <p:nvSpPr>
-          <p:cNvPr id="121" name="Rectangle 120"/>
+          <p:cNvPr id="110" name="Rectangle 109"/>
           <p:cNvSpPr/>
           <p:nvPr/>
         </p:nvSpPr>
         <p:spPr>
           <a:xfrm>
-            <a:off x="7999418" y="2663557"/>
-            <a:ext cx="757412" cy="395296"/>
+            <a:off x="5707656" y="975030"/>
+            <a:ext cx="1527672" cy="395296"/>
           </a:xfrm>
           <a:prstGeom prst="rect">
             <a:avLst/>
           </a:prstGeom>
-          <a:pattFill prst="ltUpDiag">
-            <a:fgClr>
-              <a:srgbClr val="EF6F72"/>
-            </a:fgClr>
-            <a:bgClr>
-              <a:schemeClr val="bg1"/>
-            </a:bgClr>
-          </a:pattFill>
+          <a:solidFill>
+            <a:srgbClr val="EF6F72"/>
+          </a:solidFill>
           <a:ln>
             <a:solidFill>
               <a:schemeClr val="tx1"/>
@@ -6906,7 +6533,7 @@
           <a:p>
             <a:pPr algn="ctr"/>
             <a:r>
-              <a:rPr lang="en-US" sz="1100" dirty="0" smtClean="0">
+              <a:rPr lang="en-US" smtClean="0">
                 <a:solidFill>
                   <a:schemeClr val="tx1"/>
                 </a:solidFill>
@@ -6914,9 +6541,288 @@
                 <a:ea typeface="Times New Roman" charset="0"/>
                 <a:cs typeface="Times New Roman" charset="0"/>
               </a:rPr>
-              <a:t>NAV RTS</a:t>
-            </a:r>
-            <a:endParaRPr lang="en-US" sz="1100" dirty="0">
+              <a:t>DATA</a:t>
+            </a:r>
+            <a:endParaRPr lang="en-US" dirty="0">
+              <a:solidFill>
+                <a:schemeClr val="tx1"/>
+              </a:solidFill>
+              <a:latin typeface="Times New Roman" charset="0"/>
+              <a:ea typeface="Times New Roman" charset="0"/>
+              <a:cs typeface="Times New Roman" charset="0"/>
+            </a:endParaRPr>
+          </a:p>
+        </p:txBody>
+      </p:sp>
+      <p:cxnSp>
+        <p:nvCxnSpPr>
+          <p:cNvPr id="122" name="Straight Arrow Connector 121"/>
+          <p:cNvCxnSpPr/>
+          <p:nvPr/>
+        </p:nvCxnSpPr>
+        <p:spPr>
+          <a:xfrm>
+            <a:off x="7154431" y="793212"/>
+            <a:ext cx="1391053" cy="0"/>
+          </a:xfrm>
+          <a:prstGeom prst="straightConnector1">
+            <a:avLst/>
+          </a:prstGeom>
+          <a:ln>
+            <a:solidFill>
+              <a:schemeClr val="tx1"/>
+            </a:solidFill>
+            <a:headEnd type="triangle"/>
+            <a:tailEnd type="triangle"/>
+          </a:ln>
+        </p:spPr>
+        <p:style>
+          <a:lnRef idx="1">
+            <a:schemeClr val="accent1"/>
+          </a:lnRef>
+          <a:fillRef idx="0">
+            <a:schemeClr val="accent1"/>
+          </a:fillRef>
+          <a:effectRef idx="0">
+            <a:schemeClr val="accent1"/>
+          </a:effectRef>
+          <a:fontRef idx="minor">
+            <a:schemeClr val="tx1"/>
+          </a:fontRef>
+        </p:style>
+      </p:cxnSp>
+      <p:sp>
+        <p:nvSpPr>
+          <p:cNvPr id="123" name="TextBox 122"/>
+          <p:cNvSpPr txBox="1"/>
+          <p:nvPr/>
+        </p:nvSpPr>
+        <p:spPr>
+          <a:xfrm>
+            <a:off x="7563152" y="560872"/>
+            <a:ext cx="684901" cy="276999"/>
+          </a:xfrm>
+          <a:prstGeom prst="rect">
+            <a:avLst/>
+          </a:prstGeom>
+          <a:noFill/>
+        </p:spPr>
+        <p:txBody>
+          <a:bodyPr wrap="square" rtlCol="0">
+            <a:spAutoFit/>
+          </a:bodyPr>
+          <a:lstStyle/>
+          <a:p>
+            <a:r>
+              <a:rPr lang="en-US" sz="1200" dirty="0" smtClean="0">
+                <a:latin typeface="Times New Roman" charset="0"/>
+                <a:ea typeface="Times New Roman" charset="0"/>
+                <a:cs typeface="Times New Roman" charset="0"/>
+              </a:rPr>
+              <a:t>EIFS</a:t>
+            </a:r>
+            <a:endParaRPr lang="en-US" sz="1200" dirty="0">
+              <a:latin typeface="Times New Roman" charset="0"/>
+              <a:ea typeface="Times New Roman" charset="0"/>
+              <a:cs typeface="Times New Roman" charset="0"/>
+            </a:endParaRPr>
+          </a:p>
+        </p:txBody>
+      </p:sp>
+      <p:sp>
+        <p:nvSpPr>
+          <p:cNvPr id="124" name="Rectangle 123"/>
+          <p:cNvSpPr/>
+          <p:nvPr/>
+        </p:nvSpPr>
+        <p:spPr>
+          <a:xfrm>
+            <a:off x="8459621" y="1799297"/>
+            <a:ext cx="144791" cy="401441"/>
+          </a:xfrm>
+          <a:prstGeom prst="rect">
+            <a:avLst/>
+          </a:prstGeom>
+          <a:solidFill>
+            <a:schemeClr val="bg1">
+              <a:lumMod val="75000"/>
+            </a:schemeClr>
+          </a:solidFill>
+          <a:ln>
+            <a:solidFill>
+              <a:schemeClr val="tx1"/>
+            </a:solidFill>
+          </a:ln>
+        </p:spPr>
+        <p:style>
+          <a:lnRef idx="2">
+            <a:schemeClr val="accent1">
+              <a:shade val="50000"/>
+            </a:schemeClr>
+          </a:lnRef>
+          <a:fillRef idx="1">
+            <a:schemeClr val="accent1"/>
+          </a:fillRef>
+          <a:effectRef idx="0">
+            <a:schemeClr val="accent1"/>
+          </a:effectRef>
+          <a:fontRef idx="minor">
+            <a:schemeClr val="lt1"/>
+          </a:fontRef>
+        </p:style>
+        <p:txBody>
+          <a:bodyPr rtlCol="0" anchor="ctr"/>
+          <a:lstStyle/>
+          <a:p>
+            <a:pPr algn="ctr"/>
+            <a:r>
+              <a:rPr lang="en-US" dirty="0" smtClean="0">
+                <a:solidFill>
+                  <a:schemeClr val="tx1"/>
+                </a:solidFill>
+                <a:latin typeface="Times New Roman" charset="0"/>
+                <a:ea typeface="Times New Roman" charset="0"/>
+                <a:cs typeface="Times New Roman" charset="0"/>
+              </a:rPr>
+              <a:t>*</a:t>
+            </a:r>
+            <a:endParaRPr lang="en-US" dirty="0">
+              <a:solidFill>
+                <a:schemeClr val="tx1"/>
+              </a:solidFill>
+              <a:latin typeface="Times New Roman" charset="0"/>
+              <a:ea typeface="Times New Roman" charset="0"/>
+              <a:cs typeface="Times New Roman" charset="0"/>
+            </a:endParaRPr>
+          </a:p>
+        </p:txBody>
+      </p:sp>
+      <p:sp>
+        <p:nvSpPr>
+          <p:cNvPr id="125" name="Rectangle 124"/>
+          <p:cNvSpPr/>
+          <p:nvPr/>
+        </p:nvSpPr>
+        <p:spPr>
+          <a:xfrm>
+            <a:off x="8463054" y="968885"/>
+            <a:ext cx="144791" cy="401441"/>
+          </a:xfrm>
+          <a:prstGeom prst="rect">
+            <a:avLst/>
+          </a:prstGeom>
+          <a:solidFill>
+            <a:schemeClr val="bg1">
+              <a:lumMod val="75000"/>
+            </a:schemeClr>
+          </a:solidFill>
+          <a:ln>
+            <a:solidFill>
+              <a:schemeClr val="tx1"/>
+            </a:solidFill>
+          </a:ln>
+        </p:spPr>
+        <p:style>
+          <a:lnRef idx="2">
+            <a:schemeClr val="accent1">
+              <a:shade val="50000"/>
+            </a:schemeClr>
+          </a:lnRef>
+          <a:fillRef idx="1">
+            <a:schemeClr val="accent1"/>
+          </a:fillRef>
+          <a:effectRef idx="0">
+            <a:schemeClr val="accent1"/>
+          </a:effectRef>
+          <a:fontRef idx="minor">
+            <a:schemeClr val="lt1"/>
+          </a:fontRef>
+        </p:style>
+        <p:txBody>
+          <a:bodyPr rtlCol="0" anchor="ctr"/>
+          <a:lstStyle/>
+          <a:p>
+            <a:pPr algn="ctr"/>
+            <a:r>
+              <a:rPr lang="en-US" dirty="0" smtClean="0">
+                <a:solidFill>
+                  <a:schemeClr val="tx1"/>
+                </a:solidFill>
+                <a:latin typeface="Times New Roman" charset="0"/>
+                <a:ea typeface="Times New Roman" charset="0"/>
+                <a:cs typeface="Times New Roman" charset="0"/>
+              </a:rPr>
+              <a:t>*</a:t>
+            </a:r>
+            <a:endParaRPr lang="en-US" dirty="0">
+              <a:solidFill>
+                <a:schemeClr val="tx1"/>
+              </a:solidFill>
+              <a:latin typeface="Times New Roman" charset="0"/>
+              <a:ea typeface="Times New Roman" charset="0"/>
+              <a:cs typeface="Times New Roman" charset="0"/>
+            </a:endParaRPr>
+          </a:p>
+        </p:txBody>
+      </p:sp>
+      <p:sp>
+        <p:nvSpPr>
+          <p:cNvPr id="126" name="Rectangle 125"/>
+          <p:cNvSpPr/>
+          <p:nvPr/>
+        </p:nvSpPr>
+        <p:spPr>
+          <a:xfrm>
+            <a:off x="8458096" y="2662801"/>
+            <a:ext cx="156072" cy="395296"/>
+          </a:xfrm>
+          <a:prstGeom prst="rect">
+            <a:avLst/>
+          </a:prstGeom>
+          <a:solidFill>
+            <a:schemeClr val="bg1">
+              <a:lumMod val="75000"/>
+            </a:schemeClr>
+          </a:solidFill>
+          <a:ln>
+            <a:solidFill>
+              <a:schemeClr val="tx1"/>
+            </a:solidFill>
+          </a:ln>
+        </p:spPr>
+        <p:style>
+          <a:lnRef idx="2">
+            <a:schemeClr val="accent1">
+              <a:shade val="50000"/>
+            </a:schemeClr>
+          </a:lnRef>
+          <a:fillRef idx="1">
+            <a:schemeClr val="accent1"/>
+          </a:fillRef>
+          <a:effectRef idx="0">
+            <a:schemeClr val="accent1"/>
+          </a:effectRef>
+          <a:fontRef idx="minor">
+            <a:schemeClr val="lt1"/>
+          </a:fontRef>
+        </p:style>
+        <p:txBody>
+          <a:bodyPr rtlCol="0" anchor="ctr"/>
+          <a:lstStyle/>
+          <a:p>
+            <a:pPr algn="ctr"/>
+            <a:r>
+              <a:rPr lang="en-US" dirty="0" smtClean="0">
+                <a:solidFill>
+                  <a:schemeClr val="tx1"/>
+                </a:solidFill>
+                <a:latin typeface="Times New Roman" charset="0"/>
+                <a:ea typeface="Times New Roman" charset="0"/>
+                <a:cs typeface="Times New Roman" charset="0"/>
+              </a:rPr>
+              <a:t>2</a:t>
+            </a:r>
+            <a:endParaRPr lang="en-US" dirty="0">
               <a:solidFill>
                 <a:schemeClr val="tx1"/>
               </a:solidFill>
@@ -7199,4 +7105,265 @@
     </a:ext>
   </a:extLst>
 </a:theme>
+</file>
+
+<file path=ppt/theme/theme2.xml><?xml version="1.0" encoding="utf-8"?>
+<a:theme xmlns:a="http://schemas.openxmlformats.org/drawingml/2006/main" name="Office Theme">
+  <a:themeElements>
+    <a:clrScheme name="Office">
+      <a:dk1>
+        <a:sysClr val="windowText" lastClr="000000"/>
+      </a:dk1>
+      <a:lt1>
+        <a:sysClr val="window" lastClr="FFFFFF"/>
+      </a:lt1>
+      <a:dk2>
+        <a:srgbClr val="44546A"/>
+      </a:dk2>
+      <a:lt2>
+        <a:srgbClr val="E7E6E6"/>
+      </a:lt2>
+      <a:accent1>
+        <a:srgbClr val="5B9BD5"/>
+      </a:accent1>
+      <a:accent2>
+        <a:srgbClr val="ED7D31"/>
+      </a:accent2>
+      <a:accent3>
+        <a:srgbClr val="A5A5A5"/>
+      </a:accent3>
+      <a:accent4>
+        <a:srgbClr val="FFC000"/>
+      </a:accent4>
+      <a:accent5>
+        <a:srgbClr val="4472C4"/>
+      </a:accent5>
+      <a:accent6>
+        <a:srgbClr val="70AD47"/>
+      </a:accent6>
+      <a:hlink>
+        <a:srgbClr val="0563C1"/>
+      </a:hlink>
+      <a:folHlink>
+        <a:srgbClr val="954F72"/>
+      </a:folHlink>
+    </a:clrScheme>
+    <a:fontScheme name="Office">
+      <a:majorFont>
+        <a:latin typeface="Calibri Light" panose="020F0302020204030204"/>
+        <a:ea typeface=""/>
+        <a:cs typeface=""/>
+        <a:font script="Jpan" typeface="ＭＳ Ｐゴシック"/>
+        <a:font script="Hang" typeface="맑은 고딕"/>
+        <a:font script="Hans" typeface="宋体"/>
+        <a:font script="Hant" typeface="新細明體"/>
+        <a:font script="Arab" typeface="Times New Roman"/>
+        <a:font script="Hebr" typeface="Times New Roman"/>
+        <a:font script="Thai" typeface="Angsana New"/>
+        <a:font script="Ethi" typeface="Nyala"/>
+        <a:font script="Beng" typeface="Vrinda"/>
+        <a:font script="Gujr" typeface="Shruti"/>
+        <a:font script="Khmr" typeface="MoolBoran"/>
+        <a:font script="Knda" typeface="Tunga"/>
+        <a:font script="Guru" typeface="Raavi"/>
+        <a:font script="Cans" typeface="Euphemia"/>
+        <a:font script="Cher" typeface="Plantagenet Cherokee"/>
+        <a:font script="Yiii" typeface="Microsoft Yi Baiti"/>
+        <a:font script="Tibt" typeface="Microsoft Himalaya"/>
+        <a:font script="Thaa" typeface="MV Boli"/>
+        <a:font script="Deva" typeface="Mangal"/>
+        <a:font script="Telu" typeface="Gautami"/>
+        <a:font script="Taml" typeface="Latha"/>
+        <a:font script="Syrc" typeface="Estrangelo Edessa"/>
+        <a:font script="Orya" typeface="Kalinga"/>
+        <a:font script="Mlym" typeface="Kartika"/>
+        <a:font script="Laoo" typeface="DokChampa"/>
+        <a:font script="Sinh" typeface="Iskoola Pota"/>
+        <a:font script="Mong" typeface="Mongolian Baiti"/>
+        <a:font script="Viet" typeface="Times New Roman"/>
+        <a:font script="Uigh" typeface="Microsoft Uighur"/>
+        <a:font script="Geor" typeface="Sylfaen"/>
+      </a:majorFont>
+      <a:minorFont>
+        <a:latin typeface="Calibri" panose="020F0502020204030204"/>
+        <a:ea typeface=""/>
+        <a:cs typeface=""/>
+        <a:font script="Jpan" typeface="ＭＳ Ｐゴシック"/>
+        <a:font script="Hang" typeface="맑은 고딕"/>
+        <a:font script="Hans" typeface="宋体"/>
+        <a:font script="Hant" typeface="新細明體"/>
+        <a:font script="Arab" typeface="Arial"/>
+        <a:font script="Hebr" typeface="Arial"/>
+        <a:font script="Thai" typeface="Cordia New"/>
+        <a:font script="Ethi" typeface="Nyala"/>
+        <a:font script="Beng" typeface="Vrinda"/>
+        <a:font script="Gujr" typeface="Shruti"/>
+        <a:font script="Khmr" typeface="DaunPenh"/>
+        <a:font script="Knda" typeface="Tunga"/>
+        <a:font script="Guru" typeface="Raavi"/>
+        <a:font script="Cans" typeface="Euphemia"/>
+        <a:font script="Cher" typeface="Plantagenet Cherokee"/>
+        <a:font script="Yiii" typeface="Microsoft Yi Baiti"/>
+        <a:font script="Tibt" typeface="Microsoft Himalaya"/>
+        <a:font script="Thaa" typeface="MV Boli"/>
+        <a:font script="Deva" typeface="Mangal"/>
+        <a:font script="Telu" typeface="Gautami"/>
+        <a:font script="Taml" typeface="Latha"/>
+        <a:font script="Syrc" typeface="Estrangelo Edessa"/>
+        <a:font script="Orya" typeface="Kalinga"/>
+        <a:font script="Mlym" typeface="Kartika"/>
+        <a:font script="Laoo" typeface="DokChampa"/>
+        <a:font script="Sinh" typeface="Iskoola Pota"/>
+        <a:font script="Mong" typeface="Mongolian Baiti"/>
+        <a:font script="Viet" typeface="Arial"/>
+        <a:font script="Uigh" typeface="Microsoft Uighur"/>
+        <a:font script="Geor" typeface="Sylfaen"/>
+      </a:minorFont>
+    </a:fontScheme>
+    <a:fmtScheme name="Office">
+      <a:fillStyleLst>
+        <a:solidFill>
+          <a:schemeClr val="phClr"/>
+        </a:solidFill>
+        <a:gradFill rotWithShape="1">
+          <a:gsLst>
+            <a:gs pos="0">
+              <a:schemeClr val="phClr">
+                <a:lumMod val="110000"/>
+                <a:satMod val="105000"/>
+                <a:tint val="67000"/>
+              </a:schemeClr>
+            </a:gs>
+            <a:gs pos="50000">
+              <a:schemeClr val="phClr">
+                <a:lumMod val="105000"/>
+                <a:satMod val="103000"/>
+                <a:tint val="73000"/>
+              </a:schemeClr>
+            </a:gs>
+            <a:gs pos="100000">
+              <a:schemeClr val="phClr">
+                <a:lumMod val="105000"/>
+                <a:satMod val="109000"/>
+                <a:tint val="81000"/>
+              </a:schemeClr>
+            </a:gs>
+          </a:gsLst>
+          <a:lin ang="5400000" scaled="0"/>
+        </a:gradFill>
+        <a:gradFill rotWithShape="1">
+          <a:gsLst>
+            <a:gs pos="0">
+              <a:schemeClr val="phClr">
+                <a:satMod val="103000"/>
+                <a:lumMod val="102000"/>
+                <a:tint val="94000"/>
+              </a:schemeClr>
+            </a:gs>
+            <a:gs pos="50000">
+              <a:schemeClr val="phClr">
+                <a:satMod val="110000"/>
+                <a:lumMod val="100000"/>
+                <a:shade val="100000"/>
+              </a:schemeClr>
+            </a:gs>
+            <a:gs pos="100000">
+              <a:schemeClr val="phClr">
+                <a:lumMod val="99000"/>
+                <a:satMod val="120000"/>
+                <a:shade val="78000"/>
+              </a:schemeClr>
+            </a:gs>
+          </a:gsLst>
+          <a:lin ang="5400000" scaled="0"/>
+        </a:gradFill>
+      </a:fillStyleLst>
+      <a:lnStyleLst>
+        <a:ln w="6350" cap="flat" cmpd="sng" algn="ctr">
+          <a:solidFill>
+            <a:schemeClr val="phClr"/>
+          </a:solidFill>
+          <a:prstDash val="solid"/>
+          <a:miter lim="800000"/>
+        </a:ln>
+        <a:ln w="12700" cap="flat" cmpd="sng" algn="ctr">
+          <a:solidFill>
+            <a:schemeClr val="phClr"/>
+          </a:solidFill>
+          <a:prstDash val="solid"/>
+          <a:miter lim="800000"/>
+        </a:ln>
+        <a:ln w="19050" cap="flat" cmpd="sng" algn="ctr">
+          <a:solidFill>
+            <a:schemeClr val="phClr"/>
+          </a:solidFill>
+          <a:prstDash val="solid"/>
+          <a:miter lim="800000"/>
+        </a:ln>
+      </a:lnStyleLst>
+      <a:effectStyleLst>
+        <a:effectStyle>
+          <a:effectLst/>
+        </a:effectStyle>
+        <a:effectStyle>
+          <a:effectLst/>
+        </a:effectStyle>
+        <a:effectStyle>
+          <a:effectLst>
+            <a:outerShdw blurRad="57150" dist="19050" dir="5400000" algn="ctr" rotWithShape="0">
+              <a:srgbClr val="000000">
+                <a:alpha val="63000"/>
+              </a:srgbClr>
+            </a:outerShdw>
+          </a:effectLst>
+        </a:effectStyle>
+      </a:effectStyleLst>
+      <a:bgFillStyleLst>
+        <a:solidFill>
+          <a:schemeClr val="phClr"/>
+        </a:solidFill>
+        <a:solidFill>
+          <a:schemeClr val="phClr">
+            <a:tint val="95000"/>
+            <a:satMod val="170000"/>
+          </a:schemeClr>
+        </a:solidFill>
+        <a:gradFill rotWithShape="1">
+          <a:gsLst>
+            <a:gs pos="0">
+              <a:schemeClr val="phClr">
+                <a:tint val="93000"/>
+                <a:satMod val="150000"/>
+                <a:shade val="98000"/>
+                <a:lumMod val="102000"/>
+              </a:schemeClr>
+            </a:gs>
+            <a:gs pos="50000">
+              <a:schemeClr val="phClr">
+                <a:tint val="98000"/>
+                <a:satMod val="130000"/>
+                <a:shade val="90000"/>
+                <a:lumMod val="103000"/>
+              </a:schemeClr>
+            </a:gs>
+            <a:gs pos="100000">
+              <a:schemeClr val="phClr">
+                <a:shade val="63000"/>
+                <a:satMod val="120000"/>
+              </a:schemeClr>
+            </a:gs>
+          </a:gsLst>
+          <a:lin ang="5400000" scaled="0"/>
+        </a:gradFill>
+      </a:bgFillStyleLst>
+    </a:fmtScheme>
+  </a:themeElements>
+  <a:objectDefaults/>
+  <a:extraClrSchemeLst/>
+  <a:extLst>
+    <a:ext uri="{05A4C25C-085E-4340-85A3-A5531E510DB2}">
+      <thm15:themeFamily xmlns:thm15="http://schemas.microsoft.com/office/thememl/2012/main" name="Office Theme" id="{62F939B6-93AF-4DB8-9C6B-D6C7DFDC589F}" vid="{4A3C46E8-61CC-4603-A589-7422A47A8E4A}"/>
+    </a:ext>
+  </a:extLst>
+</a:theme>
 </file>